--- a/statics/演示文稿1.pptx
+++ b/statics/演示文稿1.pptx
@@ -7,6 +7,7 @@
   <p:sldIdLst>
     <p:sldId id="256" r:id="rId2"/>
     <p:sldId id="257" r:id="rId3"/>
+    <p:sldId id="258" r:id="rId4"/>
   </p:sldIdLst>
   <p:sldSz cx="12192000" cy="6858000"/>
   <p:notesSz cx="6858000" cy="9144000"/>
@@ -105,6 +106,11 @@
       </a:defRPr>
     </a:lvl9pPr>
   </p:defaultTextStyle>
+  <p:extLst>
+    <p:ext uri="{EFAFB233-063F-42B5-8137-9DF3F51BA10A}">
+      <p15:sldGuideLst xmlns:p15="http://schemas.microsoft.com/office/powerpoint/2012/main"/>
+    </p:ext>
+  </p:extLst>
 </p:presentation>
 </file>
 
@@ -255,7 +261,7 @@
           <a:p>
             <a:fld id="{D8A58602-9D87-4CA0-BABF-099C905B800E}" type="datetimeFigureOut">
               <a:rPr lang="zh-CN" altLang="en-US" smtClean="0"/>
-              <a:t>2022/12/30</a:t>
+              <a:t>2022/12/31</a:t>
             </a:fld>
             <a:endParaRPr lang="zh-CN" altLang="en-US"/>
           </a:p>
@@ -453,7 +459,7 @@
           <a:p>
             <a:fld id="{D8A58602-9D87-4CA0-BABF-099C905B800E}" type="datetimeFigureOut">
               <a:rPr lang="zh-CN" altLang="en-US" smtClean="0"/>
-              <a:t>2022/12/30</a:t>
+              <a:t>2022/12/31</a:t>
             </a:fld>
             <a:endParaRPr lang="zh-CN" altLang="en-US"/>
           </a:p>
@@ -661,7 +667,7 @@
           <a:p>
             <a:fld id="{D8A58602-9D87-4CA0-BABF-099C905B800E}" type="datetimeFigureOut">
               <a:rPr lang="zh-CN" altLang="en-US" smtClean="0"/>
-              <a:t>2022/12/30</a:t>
+              <a:t>2022/12/31</a:t>
             </a:fld>
             <a:endParaRPr lang="zh-CN" altLang="en-US"/>
           </a:p>
@@ -859,7 +865,7 @@
           <a:p>
             <a:fld id="{D8A58602-9D87-4CA0-BABF-099C905B800E}" type="datetimeFigureOut">
               <a:rPr lang="zh-CN" altLang="en-US" smtClean="0"/>
-              <a:t>2022/12/30</a:t>
+              <a:t>2022/12/31</a:t>
             </a:fld>
             <a:endParaRPr lang="zh-CN" altLang="en-US"/>
           </a:p>
@@ -1134,7 +1140,7 @@
           <a:p>
             <a:fld id="{D8A58602-9D87-4CA0-BABF-099C905B800E}" type="datetimeFigureOut">
               <a:rPr lang="zh-CN" altLang="en-US" smtClean="0"/>
-              <a:t>2022/12/30</a:t>
+              <a:t>2022/12/31</a:t>
             </a:fld>
             <a:endParaRPr lang="zh-CN" altLang="en-US"/>
           </a:p>
@@ -1399,7 +1405,7 @@
           <a:p>
             <a:fld id="{D8A58602-9D87-4CA0-BABF-099C905B800E}" type="datetimeFigureOut">
               <a:rPr lang="zh-CN" altLang="en-US" smtClean="0"/>
-              <a:t>2022/12/30</a:t>
+              <a:t>2022/12/31</a:t>
             </a:fld>
             <a:endParaRPr lang="zh-CN" altLang="en-US"/>
           </a:p>
@@ -1811,7 +1817,7 @@
           <a:p>
             <a:fld id="{D8A58602-9D87-4CA0-BABF-099C905B800E}" type="datetimeFigureOut">
               <a:rPr lang="zh-CN" altLang="en-US" smtClean="0"/>
-              <a:t>2022/12/30</a:t>
+              <a:t>2022/12/31</a:t>
             </a:fld>
             <a:endParaRPr lang="zh-CN" altLang="en-US"/>
           </a:p>
@@ -1952,7 +1958,7 @@
           <a:p>
             <a:fld id="{D8A58602-9D87-4CA0-BABF-099C905B800E}" type="datetimeFigureOut">
               <a:rPr lang="zh-CN" altLang="en-US" smtClean="0"/>
-              <a:t>2022/12/30</a:t>
+              <a:t>2022/12/31</a:t>
             </a:fld>
             <a:endParaRPr lang="zh-CN" altLang="en-US"/>
           </a:p>
@@ -2065,7 +2071,7 @@
           <a:p>
             <a:fld id="{D8A58602-9D87-4CA0-BABF-099C905B800E}" type="datetimeFigureOut">
               <a:rPr lang="zh-CN" altLang="en-US" smtClean="0"/>
-              <a:t>2022/12/30</a:t>
+              <a:t>2022/12/31</a:t>
             </a:fld>
             <a:endParaRPr lang="zh-CN" altLang="en-US"/>
           </a:p>
@@ -2376,7 +2382,7 @@
           <a:p>
             <a:fld id="{D8A58602-9D87-4CA0-BABF-099C905B800E}" type="datetimeFigureOut">
               <a:rPr lang="zh-CN" altLang="en-US" smtClean="0"/>
-              <a:t>2022/12/30</a:t>
+              <a:t>2022/12/31</a:t>
             </a:fld>
             <a:endParaRPr lang="zh-CN" altLang="en-US"/>
           </a:p>
@@ -2664,7 +2670,7 @@
           <a:p>
             <a:fld id="{D8A58602-9D87-4CA0-BABF-099C905B800E}" type="datetimeFigureOut">
               <a:rPr lang="zh-CN" altLang="en-US" smtClean="0"/>
-              <a:t>2022/12/30</a:t>
+              <a:t>2022/12/31</a:t>
             </a:fld>
             <a:endParaRPr lang="zh-CN" altLang="en-US"/>
           </a:p>
@@ -2905,7 +2911,7 @@
           <a:p>
             <a:fld id="{D8A58602-9D87-4CA0-BABF-099C905B800E}" type="datetimeFigureOut">
               <a:rPr lang="zh-CN" altLang="en-US" smtClean="0"/>
-              <a:t>2022/12/30</a:t>
+              <a:t>2022/12/31</a:t>
             </a:fld>
             <a:endParaRPr lang="zh-CN" altLang="en-US"/>
           </a:p>
@@ -4093,6 +4099,3082 @@
 </p:sld>
 </file>
 
+<file path=ppt/slides/slide3.xml><?xml version="1.0" encoding="utf-8"?>
+<p:sld xmlns:a="http://schemas.openxmlformats.org/drawingml/2006/main" xmlns:r="http://schemas.openxmlformats.org/officeDocument/2006/relationships" xmlns:p="http://schemas.openxmlformats.org/presentationml/2006/main">
+  <p:cSld>
+    <p:spTree>
+      <p:nvGrpSpPr>
+        <p:cNvPr id="1" name=""/>
+        <p:cNvGrpSpPr/>
+        <p:nvPr/>
+      </p:nvGrpSpPr>
+      <p:grpSpPr>
+        <a:xfrm>
+          <a:off x="0" y="0"/>
+          <a:ext cx="0" cy="0"/>
+          <a:chOff x="0" y="0"/>
+          <a:chExt cx="0" cy="0"/>
+        </a:xfrm>
+      </p:grpSpPr>
+      <p:sp>
+        <p:nvSpPr>
+          <p:cNvPr id="10" name="矩形 9">
+            <a:extLst>
+              <a:ext uri="{FF2B5EF4-FFF2-40B4-BE49-F238E27FC236}">
+                <a16:creationId xmlns:a16="http://schemas.microsoft.com/office/drawing/2014/main" id="{64542D26-A637-4CC3-B2EC-24DB712AEEDD}"/>
+              </a:ext>
+            </a:extLst>
+          </p:cNvPr>
+          <p:cNvSpPr/>
+          <p:nvPr/>
+        </p:nvSpPr>
+        <p:spPr>
+          <a:xfrm>
+            <a:off x="93669" y="733621"/>
+            <a:ext cx="1260630" cy="1997475"/>
+          </a:xfrm>
+          <a:prstGeom prst="rect">
+            <a:avLst/>
+          </a:prstGeom>
+          <a:solidFill>
+            <a:schemeClr val="bg1">
+              <a:lumMod val="75000"/>
+            </a:schemeClr>
+          </a:solidFill>
+          <a:ln w="28575">
+            <a:solidFill>
+              <a:schemeClr val="tx1">
+                <a:lumMod val="65000"/>
+                <a:lumOff val="35000"/>
+              </a:schemeClr>
+            </a:solidFill>
+          </a:ln>
+        </p:spPr>
+        <p:style>
+          <a:lnRef idx="2">
+            <a:schemeClr val="accent1">
+              <a:shade val="50000"/>
+            </a:schemeClr>
+          </a:lnRef>
+          <a:fillRef idx="1">
+            <a:schemeClr val="accent1"/>
+          </a:fillRef>
+          <a:effectRef idx="0">
+            <a:schemeClr val="accent1"/>
+          </a:effectRef>
+          <a:fontRef idx="minor">
+            <a:schemeClr val="lt1"/>
+          </a:fontRef>
+        </p:style>
+        <p:txBody>
+          <a:bodyPr rtlCol="0" anchor="ctr"/>
+          <a:lstStyle/>
+          <a:p>
+            <a:pPr algn="ctr"/>
+            <a:endParaRPr lang="zh-CN" altLang="en-US" b="1">
+              <a:solidFill>
+                <a:schemeClr val="tx1"/>
+              </a:solidFill>
+              <a:latin typeface="Times New Roman" panose="02020603050405020304" pitchFamily="18" charset="0"/>
+            </a:endParaRPr>
+          </a:p>
+        </p:txBody>
+      </p:sp>
+      <p:sp>
+        <p:nvSpPr>
+          <p:cNvPr id="4" name="矩形 3">
+            <a:extLst>
+              <a:ext uri="{FF2B5EF4-FFF2-40B4-BE49-F238E27FC236}">
+                <a16:creationId xmlns:a16="http://schemas.microsoft.com/office/drawing/2014/main" id="{436EC100-51DC-49E9-9108-DE595EE77B6E}"/>
+              </a:ext>
+            </a:extLst>
+          </p:cNvPr>
+          <p:cNvSpPr/>
+          <p:nvPr/>
+        </p:nvSpPr>
+        <p:spPr>
+          <a:xfrm>
+            <a:off x="-2139559" y="1429779"/>
+            <a:ext cx="594804" cy="612560"/>
+          </a:xfrm>
+          <a:prstGeom prst="rect">
+            <a:avLst/>
+          </a:prstGeom>
+          <a:solidFill>
+            <a:schemeClr val="bg1">
+              <a:lumMod val="75000"/>
+            </a:schemeClr>
+          </a:solidFill>
+          <a:ln w="28575">
+            <a:solidFill>
+              <a:schemeClr val="tx1">
+                <a:lumMod val="65000"/>
+                <a:lumOff val="35000"/>
+              </a:schemeClr>
+            </a:solidFill>
+          </a:ln>
+        </p:spPr>
+        <p:style>
+          <a:lnRef idx="2">
+            <a:schemeClr val="accent1">
+              <a:shade val="50000"/>
+            </a:schemeClr>
+          </a:lnRef>
+          <a:fillRef idx="1">
+            <a:schemeClr val="accent1"/>
+          </a:fillRef>
+          <a:effectRef idx="0">
+            <a:schemeClr val="accent1"/>
+          </a:effectRef>
+          <a:fontRef idx="minor">
+            <a:schemeClr val="lt1"/>
+          </a:fontRef>
+        </p:style>
+        <p:txBody>
+          <a:bodyPr rtlCol="0" anchor="ctr"/>
+          <a:lstStyle/>
+          <a:p>
+            <a:pPr algn="ctr"/>
+            <a:r>
+              <a:rPr lang="en-US" altLang="zh-CN" sz="2400" b="1" i="1" dirty="0">
+                <a:solidFill>
+                  <a:schemeClr val="tx1"/>
+                </a:solidFill>
+                <a:latin typeface="Times New Roman" panose="02020603050405020304" pitchFamily="18" charset="0"/>
+                <a:cs typeface="Times New Roman" panose="02020603050405020304" pitchFamily="18" charset="0"/>
+              </a:rPr>
+              <a:t>x</a:t>
+            </a:r>
+            <a:endParaRPr lang="zh-CN" altLang="en-US" sz="2400" b="1" i="1" dirty="0">
+              <a:solidFill>
+                <a:schemeClr val="tx1"/>
+              </a:solidFill>
+              <a:latin typeface="Times New Roman" panose="02020603050405020304" pitchFamily="18" charset="0"/>
+              <a:cs typeface="Times New Roman" panose="02020603050405020304" pitchFamily="18" charset="0"/>
+            </a:endParaRPr>
+          </a:p>
+        </p:txBody>
+      </p:sp>
+      <p:sp>
+        <p:nvSpPr>
+          <p:cNvPr id="5" name="矩形 4">
+            <a:extLst>
+              <a:ext uri="{FF2B5EF4-FFF2-40B4-BE49-F238E27FC236}">
+                <a16:creationId xmlns:a16="http://schemas.microsoft.com/office/drawing/2014/main" id="{265964B7-5A66-42A6-A649-8F9B658B8EA2}"/>
+              </a:ext>
+            </a:extLst>
+          </p:cNvPr>
+          <p:cNvSpPr/>
+          <p:nvPr/>
+        </p:nvSpPr>
+        <p:spPr>
+          <a:xfrm>
+            <a:off x="-1125530" y="-308766"/>
+            <a:ext cx="797511" cy="4082249"/>
+          </a:xfrm>
+          <a:prstGeom prst="rect">
+            <a:avLst/>
+          </a:prstGeom>
+          <a:solidFill>
+            <a:schemeClr val="bg1">
+              <a:lumMod val="75000"/>
+            </a:schemeClr>
+          </a:solidFill>
+          <a:ln w="28575">
+            <a:solidFill>
+              <a:schemeClr val="tx1">
+                <a:lumMod val="65000"/>
+                <a:lumOff val="35000"/>
+              </a:schemeClr>
+            </a:solidFill>
+          </a:ln>
+        </p:spPr>
+        <p:style>
+          <a:lnRef idx="2">
+            <a:schemeClr val="accent1">
+              <a:shade val="50000"/>
+            </a:schemeClr>
+          </a:lnRef>
+          <a:fillRef idx="1">
+            <a:schemeClr val="accent1"/>
+          </a:fillRef>
+          <a:effectRef idx="0">
+            <a:schemeClr val="accent1"/>
+          </a:effectRef>
+          <a:fontRef idx="minor">
+            <a:schemeClr val="lt1"/>
+          </a:fontRef>
+        </p:style>
+        <p:txBody>
+          <a:bodyPr rtlCol="0" anchor="ctr"/>
+          <a:lstStyle/>
+          <a:p>
+            <a:pPr algn="ctr"/>
+            <a:r>
+              <a:rPr lang="en-US" altLang="zh-CN" sz="2400" b="1" dirty="0">
+                <a:solidFill>
+                  <a:schemeClr val="tx1"/>
+                </a:solidFill>
+                <a:latin typeface="Times New Roman" panose="02020603050405020304" pitchFamily="18" charset="0"/>
+                <a:ea typeface="仿宋" panose="02010609060101010101" pitchFamily="49" charset="-122"/>
+                <a:cs typeface="Times New Roman" panose="02020603050405020304" pitchFamily="18" charset="0"/>
+              </a:rPr>
+              <a:t>2048</a:t>
+            </a:r>
+            <a:r>
+              <a:rPr lang="zh-CN" altLang="en-US" sz="2400" b="1" dirty="0">
+                <a:solidFill>
+                  <a:schemeClr val="tx1"/>
+                </a:solidFill>
+                <a:latin typeface="Times New Roman" panose="02020603050405020304" pitchFamily="18" charset="0"/>
+                <a:ea typeface="仿宋" panose="02010609060101010101" pitchFamily="49" charset="-122"/>
+                <a:cs typeface="Times New Roman" panose="02020603050405020304" pitchFamily="18" charset="0"/>
+              </a:rPr>
+              <a:t>节点</a:t>
+            </a:r>
+          </a:p>
+        </p:txBody>
+      </p:sp>
+      <p:sp>
+        <p:nvSpPr>
+          <p:cNvPr id="8" name="矩形: 圆角 7">
+            <a:extLst>
+              <a:ext uri="{FF2B5EF4-FFF2-40B4-BE49-F238E27FC236}">
+                <a16:creationId xmlns:a16="http://schemas.microsoft.com/office/drawing/2014/main" id="{C632D387-C73E-45D1-85AD-0DA54FDD2434}"/>
+              </a:ext>
+            </a:extLst>
+          </p:cNvPr>
+          <p:cNvSpPr/>
+          <p:nvPr/>
+        </p:nvSpPr>
+        <p:spPr>
+          <a:xfrm>
+            <a:off x="251803" y="884541"/>
+            <a:ext cx="941031" cy="568171"/>
+          </a:xfrm>
+          <a:prstGeom prst="roundRect">
+            <a:avLst/>
+          </a:prstGeom>
+          <a:solidFill>
+            <a:schemeClr val="bg1">
+              <a:lumMod val="75000"/>
+            </a:schemeClr>
+          </a:solidFill>
+          <a:ln w="28575">
+            <a:solidFill>
+              <a:schemeClr val="tx1">
+                <a:lumMod val="65000"/>
+                <a:lumOff val="35000"/>
+              </a:schemeClr>
+            </a:solidFill>
+          </a:ln>
+        </p:spPr>
+        <p:style>
+          <a:lnRef idx="2">
+            <a:schemeClr val="accent1">
+              <a:shade val="50000"/>
+            </a:schemeClr>
+          </a:lnRef>
+          <a:fillRef idx="1">
+            <a:schemeClr val="accent1"/>
+          </a:fillRef>
+          <a:effectRef idx="0">
+            <a:schemeClr val="accent1"/>
+          </a:effectRef>
+          <a:fontRef idx="minor">
+            <a:schemeClr val="lt1"/>
+          </a:fontRef>
+        </p:style>
+        <p:txBody>
+          <a:bodyPr rtlCol="0" anchor="ctr"/>
+          <a:lstStyle/>
+          <a:p>
+            <a:pPr algn="ctr"/>
+            <a:r>
+              <a:rPr lang="en-US" altLang="zh-CN" b="1" dirty="0" err="1">
+                <a:solidFill>
+                  <a:schemeClr val="tx1"/>
+                </a:solidFill>
+                <a:latin typeface="Times New Roman" panose="02020603050405020304" pitchFamily="18" charset="0"/>
+              </a:rPr>
+              <a:t>ReLU</a:t>
+            </a:r>
+            <a:endParaRPr lang="zh-CN" altLang="en-US" b="1" dirty="0">
+              <a:solidFill>
+                <a:schemeClr val="tx1"/>
+              </a:solidFill>
+              <a:latin typeface="Times New Roman" panose="02020603050405020304" pitchFamily="18" charset="0"/>
+            </a:endParaRPr>
+          </a:p>
+        </p:txBody>
+      </p:sp>
+      <p:sp>
+        <p:nvSpPr>
+          <p:cNvPr id="9" name="矩形: 圆角 8">
+            <a:extLst>
+              <a:ext uri="{FF2B5EF4-FFF2-40B4-BE49-F238E27FC236}">
+                <a16:creationId xmlns:a16="http://schemas.microsoft.com/office/drawing/2014/main" id="{627CC35F-621B-4E7B-9721-3872D3E4F524}"/>
+              </a:ext>
+            </a:extLst>
+          </p:cNvPr>
+          <p:cNvSpPr/>
+          <p:nvPr/>
+        </p:nvSpPr>
+        <p:spPr>
+          <a:xfrm>
+            <a:off x="232937" y="1844439"/>
+            <a:ext cx="941032" cy="743505"/>
+          </a:xfrm>
+          <a:prstGeom prst="roundRect">
+            <a:avLst/>
+          </a:prstGeom>
+          <a:solidFill>
+            <a:schemeClr val="bg1">
+              <a:lumMod val="75000"/>
+            </a:schemeClr>
+          </a:solidFill>
+          <a:ln w="28575">
+            <a:solidFill>
+              <a:schemeClr val="tx1">
+                <a:lumMod val="65000"/>
+                <a:lumOff val="35000"/>
+              </a:schemeClr>
+            </a:solidFill>
+          </a:ln>
+        </p:spPr>
+        <p:style>
+          <a:lnRef idx="2">
+            <a:schemeClr val="accent1">
+              <a:shade val="50000"/>
+            </a:schemeClr>
+          </a:lnRef>
+          <a:fillRef idx="1">
+            <a:schemeClr val="accent1"/>
+          </a:fillRef>
+          <a:effectRef idx="0">
+            <a:schemeClr val="accent1"/>
+          </a:effectRef>
+          <a:fontRef idx="minor">
+            <a:schemeClr val="lt1"/>
+          </a:fontRef>
+        </p:style>
+        <p:txBody>
+          <a:bodyPr rtlCol="0" anchor="ctr"/>
+          <a:lstStyle/>
+          <a:p>
+            <a:pPr algn="ctr"/>
+            <a:r>
+              <a:rPr lang="en-US" altLang="zh-CN" b="1" dirty="0">
+                <a:solidFill>
+                  <a:schemeClr val="tx1"/>
+                </a:solidFill>
+                <a:latin typeface="Times New Roman" panose="02020603050405020304" pitchFamily="18" charset="0"/>
+              </a:rPr>
+              <a:t>Batch</a:t>
+            </a:r>
+          </a:p>
+          <a:p>
+            <a:pPr algn="ctr"/>
+            <a:r>
+              <a:rPr lang="en-US" altLang="zh-CN" b="1" dirty="0">
+                <a:solidFill>
+                  <a:schemeClr val="tx1"/>
+                </a:solidFill>
+                <a:latin typeface="Times New Roman" panose="02020603050405020304" pitchFamily="18" charset="0"/>
+              </a:rPr>
+              <a:t>Norm</a:t>
+            </a:r>
+            <a:endParaRPr lang="zh-CN" altLang="en-US" b="1" dirty="0">
+              <a:solidFill>
+                <a:schemeClr val="tx1"/>
+              </a:solidFill>
+              <a:latin typeface="Times New Roman" panose="02020603050405020304" pitchFamily="18" charset="0"/>
+            </a:endParaRPr>
+          </a:p>
+        </p:txBody>
+      </p:sp>
+      <p:cxnSp>
+        <p:nvCxnSpPr>
+          <p:cNvPr id="12" name="直接箭头连接符 11">
+            <a:extLst>
+              <a:ext uri="{FF2B5EF4-FFF2-40B4-BE49-F238E27FC236}">
+                <a16:creationId xmlns:a16="http://schemas.microsoft.com/office/drawing/2014/main" id="{26D223F3-F796-4E57-855D-D568A8A2CE20}"/>
+              </a:ext>
+            </a:extLst>
+          </p:cNvPr>
+          <p:cNvCxnSpPr>
+            <a:stCxn id="4" idx="3"/>
+            <a:endCxn id="5" idx="1"/>
+          </p:cNvCxnSpPr>
+          <p:nvPr/>
+        </p:nvCxnSpPr>
+        <p:spPr>
+          <a:xfrm flipV="1">
+            <a:off x="-1544755" y="1732359"/>
+            <a:ext cx="419225" cy="3700"/>
+          </a:xfrm>
+          <a:prstGeom prst="straightConnector1">
+            <a:avLst/>
+          </a:prstGeom>
+          <a:ln w="28575">
+            <a:solidFill>
+              <a:schemeClr val="tx1"/>
+            </a:solidFill>
+            <a:tailEnd type="triangle"/>
+          </a:ln>
+        </p:spPr>
+        <p:style>
+          <a:lnRef idx="1">
+            <a:schemeClr val="accent1"/>
+          </a:lnRef>
+          <a:fillRef idx="0">
+            <a:schemeClr val="accent1"/>
+          </a:fillRef>
+          <a:effectRef idx="0">
+            <a:schemeClr val="accent1"/>
+          </a:effectRef>
+          <a:fontRef idx="minor">
+            <a:schemeClr val="tx1"/>
+          </a:fontRef>
+        </p:style>
+      </p:cxnSp>
+      <p:cxnSp>
+        <p:nvCxnSpPr>
+          <p:cNvPr id="13" name="直接箭头连接符 12">
+            <a:extLst>
+              <a:ext uri="{FF2B5EF4-FFF2-40B4-BE49-F238E27FC236}">
+                <a16:creationId xmlns:a16="http://schemas.microsoft.com/office/drawing/2014/main" id="{F38AB18E-24C9-4B7F-A898-588517DE62D2}"/>
+              </a:ext>
+            </a:extLst>
+          </p:cNvPr>
+          <p:cNvCxnSpPr>
+            <a:cxnSpLocks/>
+            <a:stCxn id="5" idx="3"/>
+            <a:endCxn id="10" idx="1"/>
+          </p:cNvCxnSpPr>
+          <p:nvPr/>
+        </p:nvCxnSpPr>
+        <p:spPr>
+          <a:xfrm>
+            <a:off x="-328019" y="1732359"/>
+            <a:ext cx="421688" cy="0"/>
+          </a:xfrm>
+          <a:prstGeom prst="straightConnector1">
+            <a:avLst/>
+          </a:prstGeom>
+          <a:ln w="28575">
+            <a:solidFill>
+              <a:schemeClr val="tx1"/>
+            </a:solidFill>
+            <a:tailEnd type="triangle"/>
+          </a:ln>
+        </p:spPr>
+        <p:style>
+          <a:lnRef idx="1">
+            <a:schemeClr val="accent1"/>
+          </a:lnRef>
+          <a:fillRef idx="0">
+            <a:schemeClr val="accent1"/>
+          </a:fillRef>
+          <a:effectRef idx="0">
+            <a:schemeClr val="accent1"/>
+          </a:effectRef>
+          <a:fontRef idx="minor">
+            <a:schemeClr val="tx1"/>
+          </a:fontRef>
+        </p:style>
+      </p:cxnSp>
+      <p:sp>
+        <p:nvSpPr>
+          <p:cNvPr id="17" name="矩形 16">
+            <a:extLst>
+              <a:ext uri="{FF2B5EF4-FFF2-40B4-BE49-F238E27FC236}">
+                <a16:creationId xmlns:a16="http://schemas.microsoft.com/office/drawing/2014/main" id="{B4E1B24A-51DD-4F07-85F0-D63A902587C7}"/>
+              </a:ext>
+            </a:extLst>
+          </p:cNvPr>
+          <p:cNvSpPr/>
+          <p:nvPr/>
+        </p:nvSpPr>
+        <p:spPr>
+          <a:xfrm>
+            <a:off x="2995186" y="740727"/>
+            <a:ext cx="1260630" cy="1997475"/>
+          </a:xfrm>
+          <a:prstGeom prst="rect">
+            <a:avLst/>
+          </a:prstGeom>
+          <a:solidFill>
+            <a:schemeClr val="bg1">
+              <a:lumMod val="75000"/>
+            </a:schemeClr>
+          </a:solidFill>
+          <a:ln w="28575">
+            <a:solidFill>
+              <a:schemeClr val="tx1">
+                <a:lumMod val="65000"/>
+                <a:lumOff val="35000"/>
+              </a:schemeClr>
+            </a:solidFill>
+          </a:ln>
+        </p:spPr>
+        <p:style>
+          <a:lnRef idx="2">
+            <a:schemeClr val="accent1">
+              <a:shade val="50000"/>
+            </a:schemeClr>
+          </a:lnRef>
+          <a:fillRef idx="1">
+            <a:schemeClr val="accent1"/>
+          </a:fillRef>
+          <a:effectRef idx="0">
+            <a:schemeClr val="accent1"/>
+          </a:effectRef>
+          <a:fontRef idx="minor">
+            <a:schemeClr val="lt1"/>
+          </a:fontRef>
+        </p:style>
+        <p:txBody>
+          <a:bodyPr rtlCol="0" anchor="ctr"/>
+          <a:lstStyle/>
+          <a:p>
+            <a:pPr algn="ctr"/>
+            <a:endParaRPr lang="zh-CN" altLang="en-US" b="1">
+              <a:solidFill>
+                <a:schemeClr val="tx1"/>
+              </a:solidFill>
+              <a:latin typeface="Times New Roman" panose="02020603050405020304" pitchFamily="18" charset="0"/>
+            </a:endParaRPr>
+          </a:p>
+        </p:txBody>
+      </p:sp>
+      <p:sp>
+        <p:nvSpPr>
+          <p:cNvPr id="18" name="矩形 17">
+            <a:extLst>
+              <a:ext uri="{FF2B5EF4-FFF2-40B4-BE49-F238E27FC236}">
+                <a16:creationId xmlns:a16="http://schemas.microsoft.com/office/drawing/2014/main" id="{944B45BF-A2B8-4EF3-8F14-6AC9E2AD925E}"/>
+              </a:ext>
+            </a:extLst>
+          </p:cNvPr>
+          <p:cNvSpPr/>
+          <p:nvPr/>
+        </p:nvSpPr>
+        <p:spPr>
+          <a:xfrm>
+            <a:off x="1775987" y="-301660"/>
+            <a:ext cx="797511" cy="4082249"/>
+          </a:xfrm>
+          <a:prstGeom prst="rect">
+            <a:avLst/>
+          </a:prstGeom>
+          <a:solidFill>
+            <a:schemeClr val="bg1">
+              <a:lumMod val="75000"/>
+            </a:schemeClr>
+          </a:solidFill>
+          <a:ln w="28575">
+            <a:solidFill>
+              <a:schemeClr val="tx1">
+                <a:lumMod val="65000"/>
+                <a:lumOff val="35000"/>
+              </a:schemeClr>
+            </a:solidFill>
+          </a:ln>
+        </p:spPr>
+        <p:style>
+          <a:lnRef idx="2">
+            <a:schemeClr val="accent1">
+              <a:shade val="50000"/>
+            </a:schemeClr>
+          </a:lnRef>
+          <a:fillRef idx="1">
+            <a:schemeClr val="accent1"/>
+          </a:fillRef>
+          <a:effectRef idx="0">
+            <a:schemeClr val="accent1"/>
+          </a:effectRef>
+          <a:fontRef idx="minor">
+            <a:schemeClr val="lt1"/>
+          </a:fontRef>
+        </p:style>
+        <p:txBody>
+          <a:bodyPr rtlCol="0" anchor="ctr"/>
+          <a:lstStyle/>
+          <a:p>
+            <a:pPr algn="ctr"/>
+            <a:r>
+              <a:rPr lang="en-US" altLang="zh-CN" sz="2400" b="1" dirty="0">
+                <a:solidFill>
+                  <a:schemeClr val="tx1"/>
+                </a:solidFill>
+                <a:latin typeface="Times New Roman" panose="02020603050405020304" pitchFamily="18" charset="0"/>
+                <a:ea typeface="仿宋" panose="02010609060101010101" pitchFamily="49" charset="-122"/>
+                <a:cs typeface="Times New Roman" panose="02020603050405020304" pitchFamily="18" charset="0"/>
+              </a:rPr>
+              <a:t>2048</a:t>
+            </a:r>
+            <a:r>
+              <a:rPr lang="zh-CN" altLang="en-US" sz="2400" b="1" dirty="0">
+                <a:solidFill>
+                  <a:schemeClr val="tx1"/>
+                </a:solidFill>
+                <a:latin typeface="Times New Roman" panose="02020603050405020304" pitchFamily="18" charset="0"/>
+                <a:ea typeface="仿宋" panose="02010609060101010101" pitchFamily="49" charset="-122"/>
+                <a:cs typeface="Times New Roman" panose="02020603050405020304" pitchFamily="18" charset="0"/>
+              </a:rPr>
+              <a:t>节点</a:t>
+            </a:r>
+          </a:p>
+        </p:txBody>
+      </p:sp>
+      <p:sp>
+        <p:nvSpPr>
+          <p:cNvPr id="19" name="矩形: 圆角 18">
+            <a:extLst>
+              <a:ext uri="{FF2B5EF4-FFF2-40B4-BE49-F238E27FC236}">
+                <a16:creationId xmlns:a16="http://schemas.microsoft.com/office/drawing/2014/main" id="{D28475E3-33AE-4A99-8C65-959B8036B0F2}"/>
+              </a:ext>
+            </a:extLst>
+          </p:cNvPr>
+          <p:cNvSpPr/>
+          <p:nvPr/>
+        </p:nvSpPr>
+        <p:spPr>
+          <a:xfrm>
+            <a:off x="3153320" y="891647"/>
+            <a:ext cx="941031" cy="568171"/>
+          </a:xfrm>
+          <a:prstGeom prst="roundRect">
+            <a:avLst/>
+          </a:prstGeom>
+          <a:solidFill>
+            <a:schemeClr val="bg1">
+              <a:lumMod val="75000"/>
+            </a:schemeClr>
+          </a:solidFill>
+          <a:ln w="28575">
+            <a:solidFill>
+              <a:schemeClr val="tx1">
+                <a:lumMod val="65000"/>
+                <a:lumOff val="35000"/>
+              </a:schemeClr>
+            </a:solidFill>
+          </a:ln>
+        </p:spPr>
+        <p:style>
+          <a:lnRef idx="2">
+            <a:schemeClr val="accent1">
+              <a:shade val="50000"/>
+            </a:schemeClr>
+          </a:lnRef>
+          <a:fillRef idx="1">
+            <a:schemeClr val="accent1"/>
+          </a:fillRef>
+          <a:effectRef idx="0">
+            <a:schemeClr val="accent1"/>
+          </a:effectRef>
+          <a:fontRef idx="minor">
+            <a:schemeClr val="lt1"/>
+          </a:fontRef>
+        </p:style>
+        <p:txBody>
+          <a:bodyPr rtlCol="0" anchor="ctr"/>
+          <a:lstStyle/>
+          <a:p>
+            <a:pPr algn="ctr"/>
+            <a:r>
+              <a:rPr lang="en-US" altLang="zh-CN" b="1" dirty="0" err="1">
+                <a:solidFill>
+                  <a:schemeClr val="tx1"/>
+                </a:solidFill>
+                <a:latin typeface="Times New Roman" panose="02020603050405020304" pitchFamily="18" charset="0"/>
+              </a:rPr>
+              <a:t>ReLU</a:t>
+            </a:r>
+            <a:endParaRPr lang="zh-CN" altLang="en-US" b="1" dirty="0">
+              <a:solidFill>
+                <a:schemeClr val="tx1"/>
+              </a:solidFill>
+              <a:latin typeface="Times New Roman" panose="02020603050405020304" pitchFamily="18" charset="0"/>
+            </a:endParaRPr>
+          </a:p>
+        </p:txBody>
+      </p:sp>
+      <p:sp>
+        <p:nvSpPr>
+          <p:cNvPr id="20" name="矩形: 圆角 19">
+            <a:extLst>
+              <a:ext uri="{FF2B5EF4-FFF2-40B4-BE49-F238E27FC236}">
+                <a16:creationId xmlns:a16="http://schemas.microsoft.com/office/drawing/2014/main" id="{3A1EE3E5-E8E2-4E09-AEE3-1732442FB69A}"/>
+              </a:ext>
+            </a:extLst>
+          </p:cNvPr>
+          <p:cNvSpPr/>
+          <p:nvPr/>
+        </p:nvSpPr>
+        <p:spPr>
+          <a:xfrm>
+            <a:off x="3134454" y="1851545"/>
+            <a:ext cx="941032" cy="743505"/>
+          </a:xfrm>
+          <a:prstGeom prst="roundRect">
+            <a:avLst/>
+          </a:prstGeom>
+          <a:solidFill>
+            <a:schemeClr val="bg1">
+              <a:lumMod val="75000"/>
+            </a:schemeClr>
+          </a:solidFill>
+          <a:ln w="28575">
+            <a:solidFill>
+              <a:schemeClr val="tx1">
+                <a:lumMod val="65000"/>
+                <a:lumOff val="35000"/>
+              </a:schemeClr>
+            </a:solidFill>
+          </a:ln>
+        </p:spPr>
+        <p:style>
+          <a:lnRef idx="2">
+            <a:schemeClr val="accent1">
+              <a:shade val="50000"/>
+            </a:schemeClr>
+          </a:lnRef>
+          <a:fillRef idx="1">
+            <a:schemeClr val="accent1"/>
+          </a:fillRef>
+          <a:effectRef idx="0">
+            <a:schemeClr val="accent1"/>
+          </a:effectRef>
+          <a:fontRef idx="minor">
+            <a:schemeClr val="lt1"/>
+          </a:fontRef>
+        </p:style>
+        <p:txBody>
+          <a:bodyPr rtlCol="0" anchor="ctr"/>
+          <a:lstStyle/>
+          <a:p>
+            <a:pPr algn="ctr"/>
+            <a:r>
+              <a:rPr lang="en-US" altLang="zh-CN" b="1" dirty="0">
+                <a:solidFill>
+                  <a:schemeClr val="tx1"/>
+                </a:solidFill>
+                <a:latin typeface="Times New Roman" panose="02020603050405020304" pitchFamily="18" charset="0"/>
+              </a:rPr>
+              <a:t>Batch</a:t>
+            </a:r>
+          </a:p>
+          <a:p>
+            <a:pPr algn="ctr"/>
+            <a:r>
+              <a:rPr lang="en-US" altLang="zh-CN" b="1" dirty="0">
+                <a:solidFill>
+                  <a:schemeClr val="tx1"/>
+                </a:solidFill>
+                <a:latin typeface="Times New Roman" panose="02020603050405020304" pitchFamily="18" charset="0"/>
+              </a:rPr>
+              <a:t>Norm</a:t>
+            </a:r>
+            <a:endParaRPr lang="zh-CN" altLang="en-US" b="1" dirty="0">
+              <a:solidFill>
+                <a:schemeClr val="tx1"/>
+              </a:solidFill>
+              <a:latin typeface="Times New Roman" panose="02020603050405020304" pitchFamily="18" charset="0"/>
+            </a:endParaRPr>
+          </a:p>
+        </p:txBody>
+      </p:sp>
+      <p:cxnSp>
+        <p:nvCxnSpPr>
+          <p:cNvPr id="21" name="直接箭头连接符 20">
+            <a:extLst>
+              <a:ext uri="{FF2B5EF4-FFF2-40B4-BE49-F238E27FC236}">
+                <a16:creationId xmlns:a16="http://schemas.microsoft.com/office/drawing/2014/main" id="{A17D6B78-CB41-4831-B301-FD827CEB3A08}"/>
+              </a:ext>
+            </a:extLst>
+          </p:cNvPr>
+          <p:cNvCxnSpPr>
+            <a:cxnSpLocks/>
+            <a:stCxn id="18" idx="3"/>
+            <a:endCxn id="17" idx="1"/>
+          </p:cNvCxnSpPr>
+          <p:nvPr/>
+        </p:nvCxnSpPr>
+        <p:spPr>
+          <a:xfrm>
+            <a:off x="2573498" y="1739465"/>
+            <a:ext cx="421688" cy="0"/>
+          </a:xfrm>
+          <a:prstGeom prst="straightConnector1">
+            <a:avLst/>
+          </a:prstGeom>
+          <a:ln w="28575">
+            <a:solidFill>
+              <a:schemeClr val="tx1"/>
+            </a:solidFill>
+            <a:tailEnd type="triangle"/>
+          </a:ln>
+        </p:spPr>
+        <p:style>
+          <a:lnRef idx="1">
+            <a:schemeClr val="accent1"/>
+          </a:lnRef>
+          <a:fillRef idx="0">
+            <a:schemeClr val="accent1"/>
+          </a:fillRef>
+          <a:effectRef idx="0">
+            <a:schemeClr val="accent1"/>
+          </a:effectRef>
+          <a:fontRef idx="minor">
+            <a:schemeClr val="tx1"/>
+          </a:fontRef>
+        </p:style>
+      </p:cxnSp>
+      <p:sp>
+        <p:nvSpPr>
+          <p:cNvPr id="22" name="矩形 21">
+            <a:extLst>
+              <a:ext uri="{FF2B5EF4-FFF2-40B4-BE49-F238E27FC236}">
+                <a16:creationId xmlns:a16="http://schemas.microsoft.com/office/drawing/2014/main" id="{C76EC8ED-6EC6-4BDE-8E75-6A964C69663B}"/>
+              </a:ext>
+            </a:extLst>
+          </p:cNvPr>
+          <p:cNvSpPr/>
+          <p:nvPr/>
+        </p:nvSpPr>
+        <p:spPr>
+          <a:xfrm>
+            <a:off x="6075742" y="740727"/>
+            <a:ext cx="1260630" cy="1997475"/>
+          </a:xfrm>
+          <a:prstGeom prst="rect">
+            <a:avLst/>
+          </a:prstGeom>
+          <a:solidFill>
+            <a:schemeClr val="bg1">
+              <a:lumMod val="75000"/>
+            </a:schemeClr>
+          </a:solidFill>
+          <a:ln w="28575">
+            <a:solidFill>
+              <a:schemeClr val="tx1">
+                <a:lumMod val="65000"/>
+                <a:lumOff val="35000"/>
+              </a:schemeClr>
+            </a:solidFill>
+          </a:ln>
+        </p:spPr>
+        <p:style>
+          <a:lnRef idx="2">
+            <a:schemeClr val="accent1">
+              <a:shade val="50000"/>
+            </a:schemeClr>
+          </a:lnRef>
+          <a:fillRef idx="1">
+            <a:schemeClr val="accent1"/>
+          </a:fillRef>
+          <a:effectRef idx="0">
+            <a:schemeClr val="accent1"/>
+          </a:effectRef>
+          <a:fontRef idx="minor">
+            <a:schemeClr val="lt1"/>
+          </a:fontRef>
+        </p:style>
+        <p:txBody>
+          <a:bodyPr rtlCol="0" anchor="ctr"/>
+          <a:lstStyle/>
+          <a:p>
+            <a:pPr algn="ctr"/>
+            <a:endParaRPr lang="zh-CN" altLang="en-US" b="1">
+              <a:solidFill>
+                <a:schemeClr val="tx1"/>
+              </a:solidFill>
+              <a:latin typeface="Times New Roman" panose="02020603050405020304" pitchFamily="18" charset="0"/>
+            </a:endParaRPr>
+          </a:p>
+        </p:txBody>
+      </p:sp>
+      <p:sp>
+        <p:nvSpPr>
+          <p:cNvPr id="23" name="矩形 22">
+            <a:extLst>
+              <a:ext uri="{FF2B5EF4-FFF2-40B4-BE49-F238E27FC236}">
+                <a16:creationId xmlns:a16="http://schemas.microsoft.com/office/drawing/2014/main" id="{343DEFB7-F1B0-44BE-8F5B-24C612DB79FD}"/>
+              </a:ext>
+            </a:extLst>
+          </p:cNvPr>
+          <p:cNvSpPr/>
+          <p:nvPr/>
+        </p:nvSpPr>
+        <p:spPr>
+          <a:xfrm>
+            <a:off x="4856543" y="-301660"/>
+            <a:ext cx="797511" cy="4082249"/>
+          </a:xfrm>
+          <a:prstGeom prst="rect">
+            <a:avLst/>
+          </a:prstGeom>
+          <a:solidFill>
+            <a:schemeClr val="bg1">
+              <a:lumMod val="75000"/>
+            </a:schemeClr>
+          </a:solidFill>
+          <a:ln w="28575">
+            <a:solidFill>
+              <a:schemeClr val="tx1">
+                <a:lumMod val="65000"/>
+                <a:lumOff val="35000"/>
+              </a:schemeClr>
+            </a:solidFill>
+          </a:ln>
+        </p:spPr>
+        <p:style>
+          <a:lnRef idx="2">
+            <a:schemeClr val="accent1">
+              <a:shade val="50000"/>
+            </a:schemeClr>
+          </a:lnRef>
+          <a:fillRef idx="1">
+            <a:schemeClr val="accent1"/>
+          </a:fillRef>
+          <a:effectRef idx="0">
+            <a:schemeClr val="accent1"/>
+          </a:effectRef>
+          <a:fontRef idx="minor">
+            <a:schemeClr val="lt1"/>
+          </a:fontRef>
+        </p:style>
+        <p:txBody>
+          <a:bodyPr rtlCol="0" anchor="ctr"/>
+          <a:lstStyle/>
+          <a:p>
+            <a:pPr algn="ctr"/>
+            <a:r>
+              <a:rPr lang="en-US" altLang="zh-CN" sz="2400" b="1" dirty="0">
+                <a:solidFill>
+                  <a:schemeClr val="tx1"/>
+                </a:solidFill>
+                <a:latin typeface="Times New Roman" panose="02020603050405020304" pitchFamily="18" charset="0"/>
+                <a:ea typeface="仿宋" panose="02010609060101010101" pitchFamily="49" charset="-122"/>
+                <a:cs typeface="Times New Roman" panose="02020603050405020304" pitchFamily="18" charset="0"/>
+              </a:rPr>
+              <a:t>2048</a:t>
+            </a:r>
+            <a:r>
+              <a:rPr lang="zh-CN" altLang="en-US" sz="2400" b="1" dirty="0">
+                <a:solidFill>
+                  <a:schemeClr val="tx1"/>
+                </a:solidFill>
+                <a:latin typeface="Times New Roman" panose="02020603050405020304" pitchFamily="18" charset="0"/>
+                <a:ea typeface="仿宋" panose="02010609060101010101" pitchFamily="49" charset="-122"/>
+                <a:cs typeface="Times New Roman" panose="02020603050405020304" pitchFamily="18" charset="0"/>
+              </a:rPr>
+              <a:t>节点</a:t>
+            </a:r>
+          </a:p>
+        </p:txBody>
+      </p:sp>
+      <p:sp>
+        <p:nvSpPr>
+          <p:cNvPr id="24" name="矩形: 圆角 23">
+            <a:extLst>
+              <a:ext uri="{FF2B5EF4-FFF2-40B4-BE49-F238E27FC236}">
+                <a16:creationId xmlns:a16="http://schemas.microsoft.com/office/drawing/2014/main" id="{6CFFFA4B-4A77-4767-979A-F32B40AAC48A}"/>
+              </a:ext>
+            </a:extLst>
+          </p:cNvPr>
+          <p:cNvSpPr/>
+          <p:nvPr/>
+        </p:nvSpPr>
+        <p:spPr>
+          <a:xfrm>
+            <a:off x="6233876" y="891647"/>
+            <a:ext cx="941031" cy="568171"/>
+          </a:xfrm>
+          <a:prstGeom prst="roundRect">
+            <a:avLst/>
+          </a:prstGeom>
+          <a:solidFill>
+            <a:schemeClr val="bg1">
+              <a:lumMod val="75000"/>
+            </a:schemeClr>
+          </a:solidFill>
+          <a:ln w="28575">
+            <a:solidFill>
+              <a:schemeClr val="tx1">
+                <a:lumMod val="65000"/>
+                <a:lumOff val="35000"/>
+              </a:schemeClr>
+            </a:solidFill>
+          </a:ln>
+        </p:spPr>
+        <p:style>
+          <a:lnRef idx="2">
+            <a:schemeClr val="accent1">
+              <a:shade val="50000"/>
+            </a:schemeClr>
+          </a:lnRef>
+          <a:fillRef idx="1">
+            <a:schemeClr val="accent1"/>
+          </a:fillRef>
+          <a:effectRef idx="0">
+            <a:schemeClr val="accent1"/>
+          </a:effectRef>
+          <a:fontRef idx="minor">
+            <a:schemeClr val="lt1"/>
+          </a:fontRef>
+        </p:style>
+        <p:txBody>
+          <a:bodyPr rtlCol="0" anchor="ctr"/>
+          <a:lstStyle/>
+          <a:p>
+            <a:pPr algn="ctr"/>
+            <a:r>
+              <a:rPr lang="en-US" altLang="zh-CN" b="1" dirty="0" err="1">
+                <a:solidFill>
+                  <a:schemeClr val="tx1"/>
+                </a:solidFill>
+                <a:latin typeface="Times New Roman" panose="02020603050405020304" pitchFamily="18" charset="0"/>
+              </a:rPr>
+              <a:t>ReLU</a:t>
+            </a:r>
+            <a:endParaRPr lang="zh-CN" altLang="en-US" b="1" dirty="0">
+              <a:solidFill>
+                <a:schemeClr val="tx1"/>
+              </a:solidFill>
+              <a:latin typeface="Times New Roman" panose="02020603050405020304" pitchFamily="18" charset="0"/>
+            </a:endParaRPr>
+          </a:p>
+        </p:txBody>
+      </p:sp>
+      <p:sp>
+        <p:nvSpPr>
+          <p:cNvPr id="25" name="矩形: 圆角 24">
+            <a:extLst>
+              <a:ext uri="{FF2B5EF4-FFF2-40B4-BE49-F238E27FC236}">
+                <a16:creationId xmlns:a16="http://schemas.microsoft.com/office/drawing/2014/main" id="{D5E4953E-FD33-437E-9A52-C81DF2216B07}"/>
+              </a:ext>
+            </a:extLst>
+          </p:cNvPr>
+          <p:cNvSpPr/>
+          <p:nvPr/>
+        </p:nvSpPr>
+        <p:spPr>
+          <a:xfrm>
+            <a:off x="6215010" y="1851545"/>
+            <a:ext cx="941032" cy="743505"/>
+          </a:xfrm>
+          <a:prstGeom prst="roundRect">
+            <a:avLst/>
+          </a:prstGeom>
+          <a:solidFill>
+            <a:schemeClr val="bg1">
+              <a:lumMod val="75000"/>
+            </a:schemeClr>
+          </a:solidFill>
+          <a:ln w="28575">
+            <a:solidFill>
+              <a:schemeClr val="tx1">
+                <a:lumMod val="65000"/>
+                <a:lumOff val="35000"/>
+              </a:schemeClr>
+            </a:solidFill>
+          </a:ln>
+        </p:spPr>
+        <p:style>
+          <a:lnRef idx="2">
+            <a:schemeClr val="accent1">
+              <a:shade val="50000"/>
+            </a:schemeClr>
+          </a:lnRef>
+          <a:fillRef idx="1">
+            <a:schemeClr val="accent1"/>
+          </a:fillRef>
+          <a:effectRef idx="0">
+            <a:schemeClr val="accent1"/>
+          </a:effectRef>
+          <a:fontRef idx="minor">
+            <a:schemeClr val="lt1"/>
+          </a:fontRef>
+        </p:style>
+        <p:txBody>
+          <a:bodyPr rtlCol="0" anchor="ctr"/>
+          <a:lstStyle/>
+          <a:p>
+            <a:pPr algn="ctr"/>
+            <a:r>
+              <a:rPr lang="en-US" altLang="zh-CN" b="1" dirty="0">
+                <a:solidFill>
+                  <a:schemeClr val="tx1"/>
+                </a:solidFill>
+                <a:latin typeface="Times New Roman" panose="02020603050405020304" pitchFamily="18" charset="0"/>
+              </a:rPr>
+              <a:t>Batch</a:t>
+            </a:r>
+          </a:p>
+          <a:p>
+            <a:pPr algn="ctr"/>
+            <a:r>
+              <a:rPr lang="en-US" altLang="zh-CN" b="1" dirty="0">
+                <a:solidFill>
+                  <a:schemeClr val="tx1"/>
+                </a:solidFill>
+                <a:latin typeface="Times New Roman" panose="02020603050405020304" pitchFamily="18" charset="0"/>
+              </a:rPr>
+              <a:t>Norm</a:t>
+            </a:r>
+            <a:endParaRPr lang="zh-CN" altLang="en-US" b="1" dirty="0">
+              <a:solidFill>
+                <a:schemeClr val="tx1"/>
+              </a:solidFill>
+              <a:latin typeface="Times New Roman" panose="02020603050405020304" pitchFamily="18" charset="0"/>
+            </a:endParaRPr>
+          </a:p>
+        </p:txBody>
+      </p:sp>
+      <p:cxnSp>
+        <p:nvCxnSpPr>
+          <p:cNvPr id="26" name="直接箭头连接符 25">
+            <a:extLst>
+              <a:ext uri="{FF2B5EF4-FFF2-40B4-BE49-F238E27FC236}">
+                <a16:creationId xmlns:a16="http://schemas.microsoft.com/office/drawing/2014/main" id="{748C0A25-2C9E-4B8A-81CC-64A8D20C3ABC}"/>
+              </a:ext>
+            </a:extLst>
+          </p:cNvPr>
+          <p:cNvCxnSpPr>
+            <a:cxnSpLocks/>
+            <a:stCxn id="23" idx="3"/>
+            <a:endCxn id="22" idx="1"/>
+          </p:cNvCxnSpPr>
+          <p:nvPr/>
+        </p:nvCxnSpPr>
+        <p:spPr>
+          <a:xfrm>
+            <a:off x="5654054" y="1739465"/>
+            <a:ext cx="421688" cy="0"/>
+          </a:xfrm>
+          <a:prstGeom prst="straightConnector1">
+            <a:avLst/>
+          </a:prstGeom>
+          <a:ln w="28575">
+            <a:solidFill>
+              <a:schemeClr val="tx1"/>
+            </a:solidFill>
+            <a:tailEnd type="triangle"/>
+          </a:ln>
+        </p:spPr>
+        <p:style>
+          <a:lnRef idx="1">
+            <a:schemeClr val="accent1"/>
+          </a:lnRef>
+          <a:fillRef idx="0">
+            <a:schemeClr val="accent1"/>
+          </a:fillRef>
+          <a:effectRef idx="0">
+            <a:schemeClr val="accent1"/>
+          </a:effectRef>
+          <a:fontRef idx="minor">
+            <a:schemeClr val="tx1"/>
+          </a:fontRef>
+        </p:style>
+      </p:cxnSp>
+      <p:sp>
+        <p:nvSpPr>
+          <p:cNvPr id="27" name="矩形 26">
+            <a:extLst>
+              <a:ext uri="{FF2B5EF4-FFF2-40B4-BE49-F238E27FC236}">
+                <a16:creationId xmlns:a16="http://schemas.microsoft.com/office/drawing/2014/main" id="{7A5F07FE-A22C-42F3-9F98-E20A23FD07CC}"/>
+              </a:ext>
+            </a:extLst>
+          </p:cNvPr>
+          <p:cNvSpPr/>
+          <p:nvPr/>
+        </p:nvSpPr>
+        <p:spPr>
+          <a:xfrm>
+            <a:off x="8977259" y="740727"/>
+            <a:ext cx="1260630" cy="1997475"/>
+          </a:xfrm>
+          <a:prstGeom prst="rect">
+            <a:avLst/>
+          </a:prstGeom>
+          <a:solidFill>
+            <a:schemeClr val="bg1">
+              <a:lumMod val="75000"/>
+            </a:schemeClr>
+          </a:solidFill>
+          <a:ln w="28575">
+            <a:solidFill>
+              <a:schemeClr val="tx1">
+                <a:lumMod val="65000"/>
+                <a:lumOff val="35000"/>
+              </a:schemeClr>
+            </a:solidFill>
+          </a:ln>
+        </p:spPr>
+        <p:style>
+          <a:lnRef idx="2">
+            <a:schemeClr val="accent1">
+              <a:shade val="50000"/>
+            </a:schemeClr>
+          </a:lnRef>
+          <a:fillRef idx="1">
+            <a:schemeClr val="accent1"/>
+          </a:fillRef>
+          <a:effectRef idx="0">
+            <a:schemeClr val="accent1"/>
+          </a:effectRef>
+          <a:fontRef idx="minor">
+            <a:schemeClr val="lt1"/>
+          </a:fontRef>
+        </p:style>
+        <p:txBody>
+          <a:bodyPr rtlCol="0" anchor="ctr"/>
+          <a:lstStyle/>
+          <a:p>
+            <a:pPr algn="ctr"/>
+            <a:endParaRPr lang="zh-CN" altLang="en-US" b="1">
+              <a:solidFill>
+                <a:schemeClr val="tx1"/>
+              </a:solidFill>
+              <a:latin typeface="Times New Roman" panose="02020603050405020304" pitchFamily="18" charset="0"/>
+            </a:endParaRPr>
+          </a:p>
+        </p:txBody>
+      </p:sp>
+      <p:sp>
+        <p:nvSpPr>
+          <p:cNvPr id="28" name="矩形 27">
+            <a:extLst>
+              <a:ext uri="{FF2B5EF4-FFF2-40B4-BE49-F238E27FC236}">
+                <a16:creationId xmlns:a16="http://schemas.microsoft.com/office/drawing/2014/main" id="{73FF908F-8AF9-470C-BD0E-D90FECEA8652}"/>
+              </a:ext>
+            </a:extLst>
+          </p:cNvPr>
+          <p:cNvSpPr/>
+          <p:nvPr/>
+        </p:nvSpPr>
+        <p:spPr>
+          <a:xfrm>
+            <a:off x="7758060" y="-301660"/>
+            <a:ext cx="797511" cy="4082249"/>
+          </a:xfrm>
+          <a:prstGeom prst="rect">
+            <a:avLst/>
+          </a:prstGeom>
+          <a:solidFill>
+            <a:schemeClr val="bg1">
+              <a:lumMod val="75000"/>
+            </a:schemeClr>
+          </a:solidFill>
+          <a:ln w="28575">
+            <a:solidFill>
+              <a:schemeClr val="tx1">
+                <a:lumMod val="65000"/>
+                <a:lumOff val="35000"/>
+              </a:schemeClr>
+            </a:solidFill>
+          </a:ln>
+        </p:spPr>
+        <p:style>
+          <a:lnRef idx="2">
+            <a:schemeClr val="accent1">
+              <a:shade val="50000"/>
+            </a:schemeClr>
+          </a:lnRef>
+          <a:fillRef idx="1">
+            <a:schemeClr val="accent1"/>
+          </a:fillRef>
+          <a:effectRef idx="0">
+            <a:schemeClr val="accent1"/>
+          </a:effectRef>
+          <a:fontRef idx="minor">
+            <a:schemeClr val="lt1"/>
+          </a:fontRef>
+        </p:style>
+        <p:txBody>
+          <a:bodyPr rtlCol="0" anchor="ctr"/>
+          <a:lstStyle/>
+          <a:p>
+            <a:pPr algn="ctr"/>
+            <a:r>
+              <a:rPr lang="en-US" altLang="zh-CN" sz="2400" b="1" dirty="0">
+                <a:solidFill>
+                  <a:schemeClr val="tx1"/>
+                </a:solidFill>
+                <a:latin typeface="Times New Roman" panose="02020603050405020304" pitchFamily="18" charset="0"/>
+                <a:ea typeface="仿宋" panose="02010609060101010101" pitchFamily="49" charset="-122"/>
+                <a:cs typeface="Times New Roman" panose="02020603050405020304" pitchFamily="18" charset="0"/>
+              </a:rPr>
+              <a:t>2048</a:t>
+            </a:r>
+            <a:r>
+              <a:rPr lang="zh-CN" altLang="en-US" sz="2400" b="1" dirty="0">
+                <a:solidFill>
+                  <a:schemeClr val="tx1"/>
+                </a:solidFill>
+                <a:latin typeface="Times New Roman" panose="02020603050405020304" pitchFamily="18" charset="0"/>
+                <a:ea typeface="仿宋" panose="02010609060101010101" pitchFamily="49" charset="-122"/>
+                <a:cs typeface="Times New Roman" panose="02020603050405020304" pitchFamily="18" charset="0"/>
+              </a:rPr>
+              <a:t>节点</a:t>
+            </a:r>
+          </a:p>
+        </p:txBody>
+      </p:sp>
+      <p:sp>
+        <p:nvSpPr>
+          <p:cNvPr id="29" name="矩形: 圆角 28">
+            <a:extLst>
+              <a:ext uri="{FF2B5EF4-FFF2-40B4-BE49-F238E27FC236}">
+                <a16:creationId xmlns:a16="http://schemas.microsoft.com/office/drawing/2014/main" id="{6F643AFA-DD32-4B66-BA84-0039583CD19D}"/>
+              </a:ext>
+            </a:extLst>
+          </p:cNvPr>
+          <p:cNvSpPr/>
+          <p:nvPr/>
+        </p:nvSpPr>
+        <p:spPr>
+          <a:xfrm>
+            <a:off x="9135393" y="891647"/>
+            <a:ext cx="941031" cy="568171"/>
+          </a:xfrm>
+          <a:prstGeom prst="roundRect">
+            <a:avLst/>
+          </a:prstGeom>
+          <a:solidFill>
+            <a:schemeClr val="bg1">
+              <a:lumMod val="75000"/>
+            </a:schemeClr>
+          </a:solidFill>
+          <a:ln w="28575">
+            <a:solidFill>
+              <a:schemeClr val="tx1">
+                <a:lumMod val="65000"/>
+                <a:lumOff val="35000"/>
+              </a:schemeClr>
+            </a:solidFill>
+          </a:ln>
+        </p:spPr>
+        <p:style>
+          <a:lnRef idx="2">
+            <a:schemeClr val="accent1">
+              <a:shade val="50000"/>
+            </a:schemeClr>
+          </a:lnRef>
+          <a:fillRef idx="1">
+            <a:schemeClr val="accent1"/>
+          </a:fillRef>
+          <a:effectRef idx="0">
+            <a:schemeClr val="accent1"/>
+          </a:effectRef>
+          <a:fontRef idx="minor">
+            <a:schemeClr val="lt1"/>
+          </a:fontRef>
+        </p:style>
+        <p:txBody>
+          <a:bodyPr rtlCol="0" anchor="ctr"/>
+          <a:lstStyle/>
+          <a:p>
+            <a:pPr algn="ctr"/>
+            <a:r>
+              <a:rPr lang="en-US" altLang="zh-CN" b="1" dirty="0" err="1">
+                <a:solidFill>
+                  <a:schemeClr val="tx1"/>
+                </a:solidFill>
+                <a:latin typeface="Times New Roman" panose="02020603050405020304" pitchFamily="18" charset="0"/>
+              </a:rPr>
+              <a:t>ReLU</a:t>
+            </a:r>
+            <a:endParaRPr lang="zh-CN" altLang="en-US" b="1" dirty="0">
+              <a:solidFill>
+                <a:schemeClr val="tx1"/>
+              </a:solidFill>
+              <a:latin typeface="Times New Roman" panose="02020603050405020304" pitchFamily="18" charset="0"/>
+            </a:endParaRPr>
+          </a:p>
+        </p:txBody>
+      </p:sp>
+      <p:sp>
+        <p:nvSpPr>
+          <p:cNvPr id="30" name="矩形: 圆角 29">
+            <a:extLst>
+              <a:ext uri="{FF2B5EF4-FFF2-40B4-BE49-F238E27FC236}">
+                <a16:creationId xmlns:a16="http://schemas.microsoft.com/office/drawing/2014/main" id="{84624626-A2A8-417A-90A7-324FD52E82C8}"/>
+              </a:ext>
+            </a:extLst>
+          </p:cNvPr>
+          <p:cNvSpPr/>
+          <p:nvPr/>
+        </p:nvSpPr>
+        <p:spPr>
+          <a:xfrm>
+            <a:off x="9116527" y="1851545"/>
+            <a:ext cx="941032" cy="743505"/>
+          </a:xfrm>
+          <a:prstGeom prst="roundRect">
+            <a:avLst/>
+          </a:prstGeom>
+          <a:solidFill>
+            <a:schemeClr val="bg1">
+              <a:lumMod val="75000"/>
+            </a:schemeClr>
+          </a:solidFill>
+          <a:ln w="28575">
+            <a:solidFill>
+              <a:schemeClr val="tx1">
+                <a:lumMod val="65000"/>
+                <a:lumOff val="35000"/>
+              </a:schemeClr>
+            </a:solidFill>
+          </a:ln>
+        </p:spPr>
+        <p:style>
+          <a:lnRef idx="2">
+            <a:schemeClr val="accent1">
+              <a:shade val="50000"/>
+            </a:schemeClr>
+          </a:lnRef>
+          <a:fillRef idx="1">
+            <a:schemeClr val="accent1"/>
+          </a:fillRef>
+          <a:effectRef idx="0">
+            <a:schemeClr val="accent1"/>
+          </a:effectRef>
+          <a:fontRef idx="minor">
+            <a:schemeClr val="lt1"/>
+          </a:fontRef>
+        </p:style>
+        <p:txBody>
+          <a:bodyPr rtlCol="0" anchor="ctr"/>
+          <a:lstStyle/>
+          <a:p>
+            <a:pPr algn="ctr"/>
+            <a:r>
+              <a:rPr lang="en-US" altLang="zh-CN" b="1" dirty="0">
+                <a:solidFill>
+                  <a:schemeClr val="tx1"/>
+                </a:solidFill>
+                <a:latin typeface="Times New Roman" panose="02020603050405020304" pitchFamily="18" charset="0"/>
+              </a:rPr>
+              <a:t>Batch</a:t>
+            </a:r>
+          </a:p>
+          <a:p>
+            <a:pPr algn="ctr"/>
+            <a:r>
+              <a:rPr lang="en-US" altLang="zh-CN" b="1" dirty="0">
+                <a:solidFill>
+                  <a:schemeClr val="tx1"/>
+                </a:solidFill>
+                <a:latin typeface="Times New Roman" panose="02020603050405020304" pitchFamily="18" charset="0"/>
+              </a:rPr>
+              <a:t>Norm</a:t>
+            </a:r>
+            <a:endParaRPr lang="zh-CN" altLang="en-US" b="1" dirty="0">
+              <a:solidFill>
+                <a:schemeClr val="tx1"/>
+              </a:solidFill>
+              <a:latin typeface="Times New Roman" panose="02020603050405020304" pitchFamily="18" charset="0"/>
+            </a:endParaRPr>
+          </a:p>
+        </p:txBody>
+      </p:sp>
+      <p:cxnSp>
+        <p:nvCxnSpPr>
+          <p:cNvPr id="31" name="直接箭头连接符 30">
+            <a:extLst>
+              <a:ext uri="{FF2B5EF4-FFF2-40B4-BE49-F238E27FC236}">
+                <a16:creationId xmlns:a16="http://schemas.microsoft.com/office/drawing/2014/main" id="{544DBBCE-973B-4435-942F-3B8E94E70FBD}"/>
+              </a:ext>
+            </a:extLst>
+          </p:cNvPr>
+          <p:cNvCxnSpPr>
+            <a:cxnSpLocks/>
+            <a:stCxn id="28" idx="3"/>
+            <a:endCxn id="27" idx="1"/>
+          </p:cNvCxnSpPr>
+          <p:nvPr/>
+        </p:nvCxnSpPr>
+        <p:spPr>
+          <a:xfrm>
+            <a:off x="8555571" y="1739465"/>
+            <a:ext cx="421688" cy="0"/>
+          </a:xfrm>
+          <a:prstGeom prst="straightConnector1">
+            <a:avLst/>
+          </a:prstGeom>
+          <a:ln w="28575">
+            <a:solidFill>
+              <a:schemeClr val="tx1"/>
+            </a:solidFill>
+            <a:tailEnd type="triangle"/>
+          </a:ln>
+        </p:spPr>
+        <p:style>
+          <a:lnRef idx="1">
+            <a:schemeClr val="accent1"/>
+          </a:lnRef>
+          <a:fillRef idx="0">
+            <a:schemeClr val="accent1"/>
+          </a:fillRef>
+          <a:effectRef idx="0">
+            <a:schemeClr val="accent1"/>
+          </a:effectRef>
+          <a:fontRef idx="minor">
+            <a:schemeClr val="tx1"/>
+          </a:fontRef>
+        </p:style>
+      </p:cxnSp>
+      <p:sp>
+        <p:nvSpPr>
+          <p:cNvPr id="33" name="矩形 32">
+            <a:extLst>
+              <a:ext uri="{FF2B5EF4-FFF2-40B4-BE49-F238E27FC236}">
+                <a16:creationId xmlns:a16="http://schemas.microsoft.com/office/drawing/2014/main" id="{398EC469-B07E-41EA-B801-C8EE74CF74B0}"/>
+              </a:ext>
+            </a:extLst>
+          </p:cNvPr>
+          <p:cNvSpPr/>
+          <p:nvPr/>
+        </p:nvSpPr>
+        <p:spPr>
+          <a:xfrm>
+            <a:off x="10659577" y="-301660"/>
+            <a:ext cx="797511" cy="4082249"/>
+          </a:xfrm>
+          <a:prstGeom prst="rect">
+            <a:avLst/>
+          </a:prstGeom>
+          <a:solidFill>
+            <a:schemeClr val="bg1">
+              <a:lumMod val="75000"/>
+            </a:schemeClr>
+          </a:solidFill>
+          <a:ln w="28575">
+            <a:solidFill>
+              <a:schemeClr val="tx1">
+                <a:lumMod val="65000"/>
+                <a:lumOff val="35000"/>
+              </a:schemeClr>
+            </a:solidFill>
+          </a:ln>
+        </p:spPr>
+        <p:style>
+          <a:lnRef idx="2">
+            <a:schemeClr val="accent1">
+              <a:shade val="50000"/>
+            </a:schemeClr>
+          </a:lnRef>
+          <a:fillRef idx="1">
+            <a:schemeClr val="accent1"/>
+          </a:fillRef>
+          <a:effectRef idx="0">
+            <a:schemeClr val="accent1"/>
+          </a:effectRef>
+          <a:fontRef idx="minor">
+            <a:schemeClr val="lt1"/>
+          </a:fontRef>
+        </p:style>
+        <p:txBody>
+          <a:bodyPr rtlCol="0" anchor="ctr"/>
+          <a:lstStyle/>
+          <a:p>
+            <a:pPr algn="ctr"/>
+            <a:r>
+              <a:rPr lang="en-US" altLang="zh-CN" sz="2400" b="1" dirty="0">
+                <a:solidFill>
+                  <a:schemeClr val="tx1"/>
+                </a:solidFill>
+                <a:latin typeface="Times New Roman" panose="02020603050405020304" pitchFamily="18" charset="0"/>
+                <a:ea typeface="仿宋" panose="02010609060101010101" pitchFamily="49" charset="-122"/>
+                <a:cs typeface="Times New Roman" panose="02020603050405020304" pitchFamily="18" charset="0"/>
+              </a:rPr>
+              <a:t>2048</a:t>
+            </a:r>
+            <a:r>
+              <a:rPr lang="zh-CN" altLang="en-US" sz="2400" b="1" dirty="0">
+                <a:solidFill>
+                  <a:schemeClr val="tx1"/>
+                </a:solidFill>
+                <a:latin typeface="Times New Roman" panose="02020603050405020304" pitchFamily="18" charset="0"/>
+                <a:ea typeface="仿宋" panose="02010609060101010101" pitchFamily="49" charset="-122"/>
+                <a:cs typeface="Times New Roman" panose="02020603050405020304" pitchFamily="18" charset="0"/>
+              </a:rPr>
+              <a:t>节点</a:t>
+            </a:r>
+          </a:p>
+        </p:txBody>
+      </p:sp>
+      <p:sp>
+        <p:nvSpPr>
+          <p:cNvPr id="34" name="矩形: 圆角 33">
+            <a:extLst>
+              <a:ext uri="{FF2B5EF4-FFF2-40B4-BE49-F238E27FC236}">
+                <a16:creationId xmlns:a16="http://schemas.microsoft.com/office/drawing/2014/main" id="{DCE36D25-04E1-411B-B334-1B2FAF3A4491}"/>
+              </a:ext>
+            </a:extLst>
+          </p:cNvPr>
+          <p:cNvSpPr/>
+          <p:nvPr/>
+        </p:nvSpPr>
+        <p:spPr>
+          <a:xfrm>
+            <a:off x="11831216" y="1175732"/>
+            <a:ext cx="1113778" cy="1132565"/>
+          </a:xfrm>
+          <a:prstGeom prst="roundRect">
+            <a:avLst/>
+          </a:prstGeom>
+          <a:solidFill>
+            <a:schemeClr val="bg1">
+              <a:lumMod val="75000"/>
+            </a:schemeClr>
+          </a:solidFill>
+          <a:ln w="28575">
+            <a:solidFill>
+              <a:schemeClr val="tx1">
+                <a:lumMod val="65000"/>
+                <a:lumOff val="35000"/>
+              </a:schemeClr>
+            </a:solidFill>
+          </a:ln>
+        </p:spPr>
+        <p:style>
+          <a:lnRef idx="2">
+            <a:schemeClr val="accent1">
+              <a:shade val="50000"/>
+            </a:schemeClr>
+          </a:lnRef>
+          <a:fillRef idx="1">
+            <a:schemeClr val="accent1"/>
+          </a:fillRef>
+          <a:effectRef idx="0">
+            <a:schemeClr val="accent1"/>
+          </a:effectRef>
+          <a:fontRef idx="minor">
+            <a:schemeClr val="lt1"/>
+          </a:fontRef>
+        </p:style>
+        <p:txBody>
+          <a:bodyPr rtlCol="0" anchor="ctr"/>
+          <a:lstStyle/>
+          <a:p>
+            <a:pPr algn="ctr"/>
+            <a:r>
+              <a:rPr lang="en-US" altLang="zh-CN" b="1" dirty="0">
+                <a:solidFill>
+                  <a:schemeClr val="tx1"/>
+                </a:solidFill>
+                <a:latin typeface="Times New Roman" panose="02020603050405020304" pitchFamily="18" charset="0"/>
+              </a:rPr>
+              <a:t>Sigmoid / </a:t>
+            </a:r>
+          </a:p>
+          <a:p>
+            <a:pPr algn="ctr"/>
+            <a:r>
+              <a:rPr lang="en-US" altLang="zh-CN" b="1" dirty="0" err="1">
+                <a:solidFill>
+                  <a:schemeClr val="tx1"/>
+                </a:solidFill>
+                <a:latin typeface="Times New Roman" panose="02020603050405020304" pitchFamily="18" charset="0"/>
+              </a:rPr>
+              <a:t>Softmax</a:t>
+            </a:r>
+            <a:endParaRPr lang="zh-CN" altLang="en-US" b="1" dirty="0">
+              <a:solidFill>
+                <a:schemeClr val="tx1"/>
+              </a:solidFill>
+              <a:latin typeface="Times New Roman" panose="02020603050405020304" pitchFamily="18" charset="0"/>
+            </a:endParaRPr>
+          </a:p>
+        </p:txBody>
+      </p:sp>
+      <p:cxnSp>
+        <p:nvCxnSpPr>
+          <p:cNvPr id="36" name="直接箭头连接符 35">
+            <a:extLst>
+              <a:ext uri="{FF2B5EF4-FFF2-40B4-BE49-F238E27FC236}">
+                <a16:creationId xmlns:a16="http://schemas.microsoft.com/office/drawing/2014/main" id="{1DE96D4A-12C3-4AA4-B93F-9C85D0813DDC}"/>
+              </a:ext>
+            </a:extLst>
+          </p:cNvPr>
+          <p:cNvCxnSpPr>
+            <a:cxnSpLocks/>
+            <a:stCxn id="33" idx="3"/>
+            <a:endCxn id="34" idx="1"/>
+          </p:cNvCxnSpPr>
+          <p:nvPr/>
+        </p:nvCxnSpPr>
+        <p:spPr>
+          <a:xfrm>
+            <a:off x="11457088" y="1739465"/>
+            <a:ext cx="374128" cy="2550"/>
+          </a:xfrm>
+          <a:prstGeom prst="straightConnector1">
+            <a:avLst/>
+          </a:prstGeom>
+          <a:ln w="28575">
+            <a:solidFill>
+              <a:schemeClr val="tx1"/>
+            </a:solidFill>
+            <a:tailEnd type="triangle"/>
+          </a:ln>
+        </p:spPr>
+        <p:style>
+          <a:lnRef idx="1">
+            <a:schemeClr val="accent1"/>
+          </a:lnRef>
+          <a:fillRef idx="0">
+            <a:schemeClr val="accent1"/>
+          </a:fillRef>
+          <a:effectRef idx="0">
+            <a:schemeClr val="accent1"/>
+          </a:effectRef>
+          <a:fontRef idx="minor">
+            <a:schemeClr val="tx1"/>
+          </a:fontRef>
+        </p:style>
+      </p:cxnSp>
+      <p:sp>
+        <p:nvSpPr>
+          <p:cNvPr id="39" name="矩形 38">
+            <a:extLst>
+              <a:ext uri="{FF2B5EF4-FFF2-40B4-BE49-F238E27FC236}">
+                <a16:creationId xmlns:a16="http://schemas.microsoft.com/office/drawing/2014/main" id="{75888E4B-B53D-4FD9-B5E7-366971B6F81A}"/>
+              </a:ext>
+            </a:extLst>
+          </p:cNvPr>
+          <p:cNvSpPr/>
+          <p:nvPr/>
+        </p:nvSpPr>
+        <p:spPr>
+          <a:xfrm>
+            <a:off x="13263692" y="1433184"/>
+            <a:ext cx="594804" cy="612560"/>
+          </a:xfrm>
+          <a:prstGeom prst="rect">
+            <a:avLst/>
+          </a:prstGeom>
+          <a:solidFill>
+            <a:schemeClr val="bg1">
+              <a:lumMod val="75000"/>
+            </a:schemeClr>
+          </a:solidFill>
+          <a:ln w="28575">
+            <a:solidFill>
+              <a:schemeClr val="tx1">
+                <a:lumMod val="65000"/>
+                <a:lumOff val="35000"/>
+              </a:schemeClr>
+            </a:solidFill>
+          </a:ln>
+        </p:spPr>
+        <p:style>
+          <a:lnRef idx="2">
+            <a:schemeClr val="accent1">
+              <a:shade val="50000"/>
+            </a:schemeClr>
+          </a:lnRef>
+          <a:fillRef idx="1">
+            <a:schemeClr val="accent1"/>
+          </a:fillRef>
+          <a:effectRef idx="0">
+            <a:schemeClr val="accent1"/>
+          </a:effectRef>
+          <a:fontRef idx="minor">
+            <a:schemeClr val="lt1"/>
+          </a:fontRef>
+        </p:style>
+        <p:txBody>
+          <a:bodyPr rtlCol="0" anchor="ctr"/>
+          <a:lstStyle/>
+          <a:p>
+            <a:pPr algn="ctr"/>
+            <a:endParaRPr lang="zh-CN" altLang="en-US" sz="2400" b="1" i="1" dirty="0">
+              <a:solidFill>
+                <a:schemeClr val="tx1"/>
+              </a:solidFill>
+              <a:latin typeface="Times New Roman" panose="02020603050405020304" pitchFamily="18" charset="0"/>
+              <a:cs typeface="Times New Roman" panose="02020603050405020304" pitchFamily="18" charset="0"/>
+            </a:endParaRPr>
+          </a:p>
+        </p:txBody>
+      </p:sp>
+      <p:cxnSp>
+        <p:nvCxnSpPr>
+          <p:cNvPr id="40" name="直接箭头连接符 39">
+            <a:extLst>
+              <a:ext uri="{FF2B5EF4-FFF2-40B4-BE49-F238E27FC236}">
+                <a16:creationId xmlns:a16="http://schemas.microsoft.com/office/drawing/2014/main" id="{A9D79022-23CB-4975-8942-1BC9700A1D1F}"/>
+              </a:ext>
+            </a:extLst>
+          </p:cNvPr>
+          <p:cNvCxnSpPr>
+            <a:cxnSpLocks/>
+            <a:stCxn id="34" idx="3"/>
+            <a:endCxn id="39" idx="1"/>
+          </p:cNvCxnSpPr>
+          <p:nvPr/>
+        </p:nvCxnSpPr>
+        <p:spPr>
+          <a:xfrm flipV="1">
+            <a:off x="12944994" y="1739464"/>
+            <a:ext cx="318698" cy="2551"/>
+          </a:xfrm>
+          <a:prstGeom prst="straightConnector1">
+            <a:avLst/>
+          </a:prstGeom>
+          <a:ln w="28575">
+            <a:solidFill>
+              <a:schemeClr val="tx1"/>
+            </a:solidFill>
+            <a:tailEnd type="triangle"/>
+          </a:ln>
+        </p:spPr>
+        <p:style>
+          <a:lnRef idx="1">
+            <a:schemeClr val="accent1"/>
+          </a:lnRef>
+          <a:fillRef idx="0">
+            <a:schemeClr val="accent1"/>
+          </a:fillRef>
+          <a:effectRef idx="0">
+            <a:schemeClr val="accent1"/>
+          </a:effectRef>
+          <a:fontRef idx="minor">
+            <a:schemeClr val="tx1"/>
+          </a:fontRef>
+        </p:style>
+      </p:cxnSp>
+      <p:graphicFrame>
+        <p:nvGraphicFramePr>
+          <p:cNvPr id="44" name="对象 43">
+            <a:extLst>
+              <a:ext uri="{FF2B5EF4-FFF2-40B4-BE49-F238E27FC236}">
+                <a16:creationId xmlns:a16="http://schemas.microsoft.com/office/drawing/2014/main" id="{CD9F842E-EC60-49AD-9DAA-E7E48F1B3768}"/>
+              </a:ext>
+            </a:extLst>
+          </p:cNvPr>
+          <p:cNvGraphicFramePr>
+            <a:graphicFrameLocks noChangeAspect="1"/>
+          </p:cNvGraphicFramePr>
+          <p:nvPr>
+            <p:extLst>
+              <p:ext uri="{D42A27DB-BD31-4B8C-83A1-F6EECF244321}">
+                <p14:modId xmlns:p14="http://schemas.microsoft.com/office/powerpoint/2010/main" val="3812955511"/>
+              </p:ext>
+            </p:extLst>
+          </p:nvPr>
+        </p:nvGraphicFramePr>
+        <p:xfrm>
+          <a:off x="13399629" y="1499865"/>
+          <a:ext cx="309992" cy="464988"/>
+        </p:xfrm>
+        <a:graphic>
+          <a:graphicData uri="http://schemas.openxmlformats.org/presentationml/2006/ole">
+            <mc:AlternateContent xmlns:mc="http://schemas.openxmlformats.org/markup-compatibility/2006">
+              <mc:Choice xmlns:v="urn:schemas-microsoft-com:vml" Requires="v">
+                <p:oleObj spid="_x0000_s1029" name="Equation" r:id="rId3" imgW="126720" imgH="190440" progId="Equation.DSMT4">
+                  <p:embed/>
+                </p:oleObj>
+              </mc:Choice>
+              <mc:Fallback>
+                <p:oleObj name="Equation" r:id="rId3" imgW="126720" imgH="190440" progId="Equation.DSMT4">
+                  <p:embed/>
+                  <p:pic>
+                    <p:nvPicPr>
+                      <p:cNvPr id="0" name=""/>
+                      <p:cNvPicPr/>
+                      <p:nvPr/>
+                    </p:nvPicPr>
+                    <p:blipFill>
+                      <a:blip r:embed="rId4"/>
+                      <a:stretch>
+                        <a:fillRect/>
+                      </a:stretch>
+                    </p:blipFill>
+                    <p:spPr>
+                      <a:xfrm>
+                        <a:off x="13399629" y="1499865"/>
+                        <a:ext cx="309992" cy="464988"/>
+                      </a:xfrm>
+                      <a:prstGeom prst="rect">
+                        <a:avLst/>
+                      </a:prstGeom>
+                    </p:spPr>
+                  </p:pic>
+                </p:oleObj>
+              </mc:Fallback>
+            </mc:AlternateContent>
+          </a:graphicData>
+        </a:graphic>
+      </p:graphicFrame>
+      <p:cxnSp>
+        <p:nvCxnSpPr>
+          <p:cNvPr id="45" name="直接箭头连接符 44">
+            <a:extLst>
+              <a:ext uri="{FF2B5EF4-FFF2-40B4-BE49-F238E27FC236}">
+                <a16:creationId xmlns:a16="http://schemas.microsoft.com/office/drawing/2014/main" id="{15AD5F09-D072-42F3-AC91-55BA197A4264}"/>
+              </a:ext>
+            </a:extLst>
+          </p:cNvPr>
+          <p:cNvCxnSpPr>
+            <a:cxnSpLocks/>
+            <a:stCxn id="27" idx="3"/>
+            <a:endCxn id="33" idx="1"/>
+          </p:cNvCxnSpPr>
+          <p:nvPr/>
+        </p:nvCxnSpPr>
+        <p:spPr>
+          <a:xfrm>
+            <a:off x="10237889" y="1739465"/>
+            <a:ext cx="421688" cy="0"/>
+          </a:xfrm>
+          <a:prstGeom prst="straightConnector1">
+            <a:avLst/>
+          </a:prstGeom>
+          <a:ln w="28575">
+            <a:solidFill>
+              <a:schemeClr val="tx1"/>
+            </a:solidFill>
+            <a:tailEnd type="triangle"/>
+          </a:ln>
+        </p:spPr>
+        <p:style>
+          <a:lnRef idx="1">
+            <a:schemeClr val="accent1"/>
+          </a:lnRef>
+          <a:fillRef idx="0">
+            <a:schemeClr val="accent1"/>
+          </a:fillRef>
+          <a:effectRef idx="0">
+            <a:schemeClr val="accent1"/>
+          </a:effectRef>
+          <a:fontRef idx="minor">
+            <a:schemeClr val="tx1"/>
+          </a:fontRef>
+        </p:style>
+      </p:cxnSp>
+      <p:cxnSp>
+        <p:nvCxnSpPr>
+          <p:cNvPr id="48" name="直接箭头连接符 47">
+            <a:extLst>
+              <a:ext uri="{FF2B5EF4-FFF2-40B4-BE49-F238E27FC236}">
+                <a16:creationId xmlns:a16="http://schemas.microsoft.com/office/drawing/2014/main" id="{F55A689E-6128-4FA1-B113-2400332AF0CA}"/>
+              </a:ext>
+            </a:extLst>
+          </p:cNvPr>
+          <p:cNvCxnSpPr>
+            <a:cxnSpLocks/>
+            <a:stCxn id="22" idx="3"/>
+            <a:endCxn id="28" idx="1"/>
+          </p:cNvCxnSpPr>
+          <p:nvPr/>
+        </p:nvCxnSpPr>
+        <p:spPr>
+          <a:xfrm>
+            <a:off x="7336372" y="1739465"/>
+            <a:ext cx="421688" cy="0"/>
+          </a:xfrm>
+          <a:prstGeom prst="straightConnector1">
+            <a:avLst/>
+          </a:prstGeom>
+          <a:ln w="28575">
+            <a:solidFill>
+              <a:schemeClr val="tx1"/>
+            </a:solidFill>
+            <a:tailEnd type="triangle"/>
+          </a:ln>
+        </p:spPr>
+        <p:style>
+          <a:lnRef idx="1">
+            <a:schemeClr val="accent1"/>
+          </a:lnRef>
+          <a:fillRef idx="0">
+            <a:schemeClr val="accent1"/>
+          </a:fillRef>
+          <a:effectRef idx="0">
+            <a:schemeClr val="accent1"/>
+          </a:effectRef>
+          <a:fontRef idx="minor">
+            <a:schemeClr val="tx1"/>
+          </a:fontRef>
+        </p:style>
+      </p:cxnSp>
+      <p:cxnSp>
+        <p:nvCxnSpPr>
+          <p:cNvPr id="51" name="直接箭头连接符 50">
+            <a:extLst>
+              <a:ext uri="{FF2B5EF4-FFF2-40B4-BE49-F238E27FC236}">
+                <a16:creationId xmlns:a16="http://schemas.microsoft.com/office/drawing/2014/main" id="{CA1B33E7-FE42-4C85-A590-1ACA9D3ED1A0}"/>
+              </a:ext>
+            </a:extLst>
+          </p:cNvPr>
+          <p:cNvCxnSpPr>
+            <a:cxnSpLocks/>
+            <a:stCxn id="17" idx="3"/>
+            <a:endCxn id="23" idx="1"/>
+          </p:cNvCxnSpPr>
+          <p:nvPr/>
+        </p:nvCxnSpPr>
+        <p:spPr>
+          <a:xfrm>
+            <a:off x="4255816" y="1739465"/>
+            <a:ext cx="600727" cy="0"/>
+          </a:xfrm>
+          <a:prstGeom prst="straightConnector1">
+            <a:avLst/>
+          </a:prstGeom>
+          <a:ln w="28575">
+            <a:solidFill>
+              <a:schemeClr val="tx1"/>
+            </a:solidFill>
+            <a:tailEnd type="triangle"/>
+          </a:ln>
+        </p:spPr>
+        <p:style>
+          <a:lnRef idx="1">
+            <a:schemeClr val="accent1"/>
+          </a:lnRef>
+          <a:fillRef idx="0">
+            <a:schemeClr val="accent1"/>
+          </a:fillRef>
+          <a:effectRef idx="0">
+            <a:schemeClr val="accent1"/>
+          </a:effectRef>
+          <a:fontRef idx="minor">
+            <a:schemeClr val="tx1"/>
+          </a:fontRef>
+        </p:style>
+      </p:cxnSp>
+      <p:cxnSp>
+        <p:nvCxnSpPr>
+          <p:cNvPr id="54" name="直接箭头连接符 53">
+            <a:extLst>
+              <a:ext uri="{FF2B5EF4-FFF2-40B4-BE49-F238E27FC236}">
+                <a16:creationId xmlns:a16="http://schemas.microsoft.com/office/drawing/2014/main" id="{E962034E-DD8D-42D1-98D6-E6415BE1C1FD}"/>
+              </a:ext>
+            </a:extLst>
+          </p:cNvPr>
+          <p:cNvCxnSpPr>
+            <a:cxnSpLocks/>
+            <a:stCxn id="10" idx="3"/>
+            <a:endCxn id="18" idx="1"/>
+          </p:cNvCxnSpPr>
+          <p:nvPr/>
+        </p:nvCxnSpPr>
+        <p:spPr>
+          <a:xfrm>
+            <a:off x="1354299" y="1732359"/>
+            <a:ext cx="421688" cy="7106"/>
+          </a:xfrm>
+          <a:prstGeom prst="straightConnector1">
+            <a:avLst/>
+          </a:prstGeom>
+          <a:ln w="28575">
+            <a:solidFill>
+              <a:schemeClr val="tx1"/>
+            </a:solidFill>
+            <a:tailEnd type="triangle"/>
+          </a:ln>
+        </p:spPr>
+        <p:style>
+          <a:lnRef idx="1">
+            <a:schemeClr val="accent1"/>
+          </a:lnRef>
+          <a:fillRef idx="0">
+            <a:schemeClr val="accent1"/>
+          </a:fillRef>
+          <a:effectRef idx="0">
+            <a:schemeClr val="accent1"/>
+          </a:effectRef>
+          <a:fontRef idx="minor">
+            <a:schemeClr val="tx1"/>
+          </a:fontRef>
+        </p:style>
+      </p:cxnSp>
+      <p:sp>
+        <p:nvSpPr>
+          <p:cNvPr id="58" name="矩形 57">
+            <a:extLst>
+              <a:ext uri="{FF2B5EF4-FFF2-40B4-BE49-F238E27FC236}">
+                <a16:creationId xmlns:a16="http://schemas.microsoft.com/office/drawing/2014/main" id="{5606DC95-630C-41D8-B185-91A4DA769161}"/>
+              </a:ext>
+            </a:extLst>
+          </p:cNvPr>
+          <p:cNvSpPr/>
+          <p:nvPr/>
+        </p:nvSpPr>
+        <p:spPr>
+          <a:xfrm>
+            <a:off x="-2223306" y="-548383"/>
+            <a:ext cx="16181407" cy="4467828"/>
+          </a:xfrm>
+          <a:prstGeom prst="rect">
+            <a:avLst/>
+          </a:prstGeom>
+          <a:noFill/>
+          <a:ln w="28575">
+            <a:solidFill>
+              <a:schemeClr val="tx1">
+                <a:lumMod val="65000"/>
+                <a:lumOff val="35000"/>
+              </a:schemeClr>
+            </a:solidFill>
+            <a:prstDash val="dash"/>
+          </a:ln>
+        </p:spPr>
+        <p:style>
+          <a:lnRef idx="2">
+            <a:schemeClr val="accent1">
+              <a:shade val="50000"/>
+            </a:schemeClr>
+          </a:lnRef>
+          <a:fillRef idx="1">
+            <a:schemeClr val="accent1"/>
+          </a:fillRef>
+          <a:effectRef idx="0">
+            <a:schemeClr val="accent1"/>
+          </a:effectRef>
+          <a:fontRef idx="minor">
+            <a:schemeClr val="lt1"/>
+          </a:fontRef>
+        </p:style>
+        <p:txBody>
+          <a:bodyPr rtlCol="0" anchor="ctr"/>
+          <a:lstStyle/>
+          <a:p>
+            <a:pPr algn="ctr"/>
+            <a:endParaRPr lang="zh-CN" altLang="en-US" b="1">
+              <a:solidFill>
+                <a:schemeClr val="tx1"/>
+              </a:solidFill>
+              <a:latin typeface="Times New Roman" panose="02020603050405020304" pitchFamily="18" charset="0"/>
+            </a:endParaRPr>
+          </a:p>
+        </p:txBody>
+      </p:sp>
+      <p:sp>
+        <p:nvSpPr>
+          <p:cNvPr id="61" name="矩形 60">
+            <a:extLst>
+              <a:ext uri="{FF2B5EF4-FFF2-40B4-BE49-F238E27FC236}">
+                <a16:creationId xmlns:a16="http://schemas.microsoft.com/office/drawing/2014/main" id="{3D5A78EA-DA25-46AA-8EF7-811671EB5D92}"/>
+              </a:ext>
+            </a:extLst>
+          </p:cNvPr>
+          <p:cNvSpPr/>
+          <p:nvPr/>
+        </p:nvSpPr>
+        <p:spPr>
+          <a:xfrm>
+            <a:off x="717547" y="6336880"/>
+            <a:ext cx="3656364" cy="612560"/>
+          </a:xfrm>
+          <a:prstGeom prst="rect">
+            <a:avLst/>
+          </a:prstGeom>
+          <a:solidFill>
+            <a:schemeClr val="bg1">
+              <a:lumMod val="75000"/>
+            </a:schemeClr>
+          </a:solidFill>
+          <a:ln w="28575">
+            <a:solidFill>
+              <a:srgbClr val="595959"/>
+            </a:solidFill>
+          </a:ln>
+        </p:spPr>
+        <p:style>
+          <a:lnRef idx="2">
+            <a:schemeClr val="accent1">
+              <a:shade val="50000"/>
+            </a:schemeClr>
+          </a:lnRef>
+          <a:fillRef idx="1">
+            <a:schemeClr val="accent1"/>
+          </a:fillRef>
+          <a:effectRef idx="0">
+            <a:schemeClr val="accent1"/>
+          </a:effectRef>
+          <a:fontRef idx="minor">
+            <a:schemeClr val="lt1"/>
+          </a:fontRef>
+        </p:style>
+        <p:txBody>
+          <a:bodyPr rtlCol="0" anchor="ctr"/>
+          <a:lstStyle/>
+          <a:p>
+            <a:pPr algn="ctr"/>
+            <a:r>
+              <a:rPr lang="en-US" altLang="zh-CN" sz="2400" b="1" dirty="0">
+                <a:solidFill>
+                  <a:schemeClr val="tx1"/>
+                </a:solidFill>
+                <a:latin typeface="Times New Roman" panose="02020603050405020304" pitchFamily="18" charset="0"/>
+                <a:cs typeface="Times New Roman" panose="02020603050405020304" pitchFamily="18" charset="0"/>
+              </a:rPr>
+              <a:t>Dataset::__</a:t>
+            </a:r>
+            <a:r>
+              <a:rPr lang="en-US" altLang="zh-CN" sz="2400" b="1" dirty="0" err="1">
+                <a:solidFill>
+                  <a:schemeClr val="tx1"/>
+                </a:solidFill>
+                <a:latin typeface="Times New Roman" panose="02020603050405020304" pitchFamily="18" charset="0"/>
+                <a:cs typeface="Times New Roman" panose="02020603050405020304" pitchFamily="18" charset="0"/>
+              </a:rPr>
+              <a:t>getitem</a:t>
+            </a:r>
+            <a:r>
+              <a:rPr lang="en-US" altLang="zh-CN" sz="2400" b="1" dirty="0">
+                <a:solidFill>
+                  <a:schemeClr val="tx1"/>
+                </a:solidFill>
+                <a:latin typeface="Times New Roman" panose="02020603050405020304" pitchFamily="18" charset="0"/>
+                <a:cs typeface="Times New Roman" panose="02020603050405020304" pitchFamily="18" charset="0"/>
+              </a:rPr>
+              <a:t>__()</a:t>
+            </a:r>
+            <a:endParaRPr lang="zh-CN" altLang="en-US" sz="2400" b="1" dirty="0">
+              <a:solidFill>
+                <a:schemeClr val="tx1"/>
+              </a:solidFill>
+              <a:latin typeface="Times New Roman" panose="02020603050405020304" pitchFamily="18" charset="0"/>
+              <a:cs typeface="Times New Roman" panose="02020603050405020304" pitchFamily="18" charset="0"/>
+            </a:endParaRPr>
+          </a:p>
+        </p:txBody>
+      </p:sp>
+      <p:sp>
+        <p:nvSpPr>
+          <p:cNvPr id="62" name="椭圆 61">
+            <a:extLst>
+              <a:ext uri="{FF2B5EF4-FFF2-40B4-BE49-F238E27FC236}">
+                <a16:creationId xmlns:a16="http://schemas.microsoft.com/office/drawing/2014/main" id="{3D87B90C-DEDA-4E9D-821C-B3A08F9E27D5}"/>
+              </a:ext>
+            </a:extLst>
+          </p:cNvPr>
+          <p:cNvSpPr/>
+          <p:nvPr/>
+        </p:nvSpPr>
+        <p:spPr>
+          <a:xfrm>
+            <a:off x="5505374" y="4784642"/>
+            <a:ext cx="1677697" cy="612560"/>
+          </a:xfrm>
+          <a:prstGeom prst="ellipse">
+            <a:avLst/>
+          </a:prstGeom>
+          <a:solidFill>
+            <a:srgbClr val="BFBFBF"/>
+          </a:solidFill>
+          <a:ln w="28575">
+            <a:solidFill>
+              <a:srgbClr val="595959"/>
+            </a:solidFill>
+          </a:ln>
+        </p:spPr>
+        <p:style>
+          <a:lnRef idx="2">
+            <a:schemeClr val="accent1">
+              <a:shade val="50000"/>
+            </a:schemeClr>
+          </a:lnRef>
+          <a:fillRef idx="1">
+            <a:schemeClr val="accent1"/>
+          </a:fillRef>
+          <a:effectRef idx="0">
+            <a:schemeClr val="accent1"/>
+          </a:effectRef>
+          <a:fontRef idx="minor">
+            <a:schemeClr val="lt1"/>
+          </a:fontRef>
+        </p:style>
+        <p:txBody>
+          <a:bodyPr rtlCol="0" anchor="ctr"/>
+          <a:lstStyle/>
+          <a:p>
+            <a:pPr algn="ctr"/>
+            <a:r>
+              <a:rPr lang="en-US" altLang="zh-CN" b="1" dirty="0" err="1">
+                <a:solidFill>
+                  <a:schemeClr val="tx1"/>
+                </a:solidFill>
+                <a:latin typeface="Times New Roman" panose="02020603050405020304" pitchFamily="18" charset="0"/>
+              </a:rPr>
+              <a:t>ReLU</a:t>
+            </a:r>
+            <a:endParaRPr lang="zh-CN" altLang="en-US" b="1" dirty="0">
+              <a:solidFill>
+                <a:schemeClr val="tx1"/>
+              </a:solidFill>
+              <a:latin typeface="Times New Roman" panose="02020603050405020304" pitchFamily="18" charset="0"/>
+            </a:endParaRPr>
+          </a:p>
+        </p:txBody>
+      </p:sp>
+      <p:sp>
+        <p:nvSpPr>
+          <p:cNvPr id="63" name="椭圆 62">
+            <a:extLst>
+              <a:ext uri="{FF2B5EF4-FFF2-40B4-BE49-F238E27FC236}">
+                <a16:creationId xmlns:a16="http://schemas.microsoft.com/office/drawing/2014/main" id="{40EC665A-235B-47D6-AA24-347619EC7D5C}"/>
+              </a:ext>
+            </a:extLst>
+          </p:cNvPr>
+          <p:cNvSpPr/>
+          <p:nvPr/>
+        </p:nvSpPr>
+        <p:spPr>
+          <a:xfrm>
+            <a:off x="5546711" y="5558006"/>
+            <a:ext cx="1677697" cy="612560"/>
+          </a:xfrm>
+          <a:prstGeom prst="ellipse">
+            <a:avLst/>
+          </a:prstGeom>
+          <a:solidFill>
+            <a:srgbClr val="BFBFBF"/>
+          </a:solidFill>
+          <a:ln w="28575">
+            <a:solidFill>
+              <a:srgbClr val="595959"/>
+            </a:solidFill>
+          </a:ln>
+        </p:spPr>
+        <p:style>
+          <a:lnRef idx="2">
+            <a:schemeClr val="accent1">
+              <a:shade val="50000"/>
+            </a:schemeClr>
+          </a:lnRef>
+          <a:fillRef idx="1">
+            <a:schemeClr val="accent1"/>
+          </a:fillRef>
+          <a:effectRef idx="0">
+            <a:schemeClr val="accent1"/>
+          </a:effectRef>
+          <a:fontRef idx="minor">
+            <a:schemeClr val="lt1"/>
+          </a:fontRef>
+        </p:style>
+        <p:txBody>
+          <a:bodyPr rtlCol="0" anchor="ctr"/>
+          <a:lstStyle/>
+          <a:p>
+            <a:pPr algn="ctr"/>
+            <a:r>
+              <a:rPr lang="en-US" altLang="zh-CN" b="1" dirty="0">
+                <a:solidFill>
+                  <a:schemeClr val="tx1"/>
+                </a:solidFill>
+                <a:latin typeface="Times New Roman" panose="02020603050405020304" pitchFamily="18" charset="0"/>
+              </a:rPr>
+              <a:t>Sigmoid</a:t>
+            </a:r>
+            <a:endParaRPr lang="zh-CN" altLang="en-US" b="1" dirty="0">
+              <a:solidFill>
+                <a:schemeClr val="tx1"/>
+              </a:solidFill>
+              <a:latin typeface="Times New Roman" panose="02020603050405020304" pitchFamily="18" charset="0"/>
+            </a:endParaRPr>
+          </a:p>
+        </p:txBody>
+      </p:sp>
+      <p:sp>
+        <p:nvSpPr>
+          <p:cNvPr id="64" name="椭圆 63">
+            <a:extLst>
+              <a:ext uri="{FF2B5EF4-FFF2-40B4-BE49-F238E27FC236}">
+                <a16:creationId xmlns:a16="http://schemas.microsoft.com/office/drawing/2014/main" id="{47AF7342-05DC-4CF2-BD31-50AE56A92BB2}"/>
+              </a:ext>
+            </a:extLst>
+          </p:cNvPr>
+          <p:cNvSpPr/>
+          <p:nvPr/>
+        </p:nvSpPr>
+        <p:spPr>
+          <a:xfrm>
+            <a:off x="5546711" y="6330972"/>
+            <a:ext cx="1677697" cy="612560"/>
+          </a:xfrm>
+          <a:prstGeom prst="ellipse">
+            <a:avLst/>
+          </a:prstGeom>
+          <a:solidFill>
+            <a:srgbClr val="BFBFBF"/>
+          </a:solidFill>
+          <a:ln w="28575">
+            <a:solidFill>
+              <a:srgbClr val="595959"/>
+            </a:solidFill>
+          </a:ln>
+        </p:spPr>
+        <p:style>
+          <a:lnRef idx="2">
+            <a:schemeClr val="accent1">
+              <a:shade val="50000"/>
+            </a:schemeClr>
+          </a:lnRef>
+          <a:fillRef idx="1">
+            <a:schemeClr val="accent1"/>
+          </a:fillRef>
+          <a:effectRef idx="0">
+            <a:schemeClr val="accent1"/>
+          </a:effectRef>
+          <a:fontRef idx="minor">
+            <a:schemeClr val="lt1"/>
+          </a:fontRef>
+        </p:style>
+        <p:txBody>
+          <a:bodyPr rtlCol="0" anchor="ctr"/>
+          <a:lstStyle/>
+          <a:p>
+            <a:pPr algn="ctr"/>
+            <a:r>
+              <a:rPr lang="en-US" altLang="zh-CN" b="1" dirty="0" err="1">
+                <a:solidFill>
+                  <a:schemeClr val="tx1"/>
+                </a:solidFill>
+                <a:latin typeface="Times New Roman" panose="02020603050405020304" pitchFamily="18" charset="0"/>
+              </a:rPr>
+              <a:t>SiLU</a:t>
+            </a:r>
+            <a:endParaRPr lang="zh-CN" altLang="en-US" b="1" dirty="0">
+              <a:solidFill>
+                <a:schemeClr val="tx1"/>
+              </a:solidFill>
+              <a:latin typeface="Times New Roman" panose="02020603050405020304" pitchFamily="18" charset="0"/>
+            </a:endParaRPr>
+          </a:p>
+        </p:txBody>
+      </p:sp>
+      <p:sp>
+        <p:nvSpPr>
+          <p:cNvPr id="65" name="椭圆 64">
+            <a:extLst>
+              <a:ext uri="{FF2B5EF4-FFF2-40B4-BE49-F238E27FC236}">
+                <a16:creationId xmlns:a16="http://schemas.microsoft.com/office/drawing/2014/main" id="{9894A23A-F4EF-4E23-AC2A-2CAA6E96D798}"/>
+              </a:ext>
+            </a:extLst>
+          </p:cNvPr>
+          <p:cNvSpPr/>
+          <p:nvPr/>
+        </p:nvSpPr>
+        <p:spPr>
+          <a:xfrm>
+            <a:off x="5546710" y="7103938"/>
+            <a:ext cx="1677697" cy="612560"/>
+          </a:xfrm>
+          <a:prstGeom prst="ellipse">
+            <a:avLst/>
+          </a:prstGeom>
+          <a:solidFill>
+            <a:srgbClr val="BFBFBF"/>
+          </a:solidFill>
+          <a:ln w="28575">
+            <a:solidFill>
+              <a:srgbClr val="595959"/>
+            </a:solidFill>
+          </a:ln>
+        </p:spPr>
+        <p:style>
+          <a:lnRef idx="2">
+            <a:schemeClr val="accent1">
+              <a:shade val="50000"/>
+            </a:schemeClr>
+          </a:lnRef>
+          <a:fillRef idx="1">
+            <a:schemeClr val="accent1"/>
+          </a:fillRef>
+          <a:effectRef idx="0">
+            <a:schemeClr val="accent1"/>
+          </a:effectRef>
+          <a:fontRef idx="minor">
+            <a:schemeClr val="lt1"/>
+          </a:fontRef>
+        </p:style>
+        <p:txBody>
+          <a:bodyPr rtlCol="0" anchor="ctr"/>
+          <a:lstStyle/>
+          <a:p>
+            <a:pPr algn="ctr"/>
+            <a:r>
+              <a:rPr lang="en-US" altLang="zh-CN" b="1" dirty="0">
+                <a:solidFill>
+                  <a:schemeClr val="tx1"/>
+                </a:solidFill>
+                <a:latin typeface="Times New Roman" panose="02020603050405020304" pitchFamily="18" charset="0"/>
+              </a:rPr>
+              <a:t>Mish</a:t>
+            </a:r>
+            <a:endParaRPr lang="zh-CN" altLang="en-US" b="1" dirty="0">
+              <a:solidFill>
+                <a:schemeClr val="tx1"/>
+              </a:solidFill>
+              <a:latin typeface="Times New Roman" panose="02020603050405020304" pitchFamily="18" charset="0"/>
+            </a:endParaRPr>
+          </a:p>
+        </p:txBody>
+      </p:sp>
+      <p:sp>
+        <p:nvSpPr>
+          <p:cNvPr id="66" name="椭圆 65">
+            <a:extLst>
+              <a:ext uri="{FF2B5EF4-FFF2-40B4-BE49-F238E27FC236}">
+                <a16:creationId xmlns:a16="http://schemas.microsoft.com/office/drawing/2014/main" id="{DAFA5E9B-7982-4744-99A1-C38E4C8B6A2A}"/>
+              </a:ext>
+            </a:extLst>
+          </p:cNvPr>
+          <p:cNvSpPr/>
+          <p:nvPr/>
+        </p:nvSpPr>
+        <p:spPr>
+          <a:xfrm>
+            <a:off x="5551741" y="7876904"/>
+            <a:ext cx="1677697" cy="612560"/>
+          </a:xfrm>
+          <a:prstGeom prst="ellipse">
+            <a:avLst/>
+          </a:prstGeom>
+          <a:solidFill>
+            <a:srgbClr val="BFBFBF"/>
+          </a:solidFill>
+          <a:ln w="28575">
+            <a:solidFill>
+              <a:srgbClr val="595959"/>
+            </a:solidFill>
+          </a:ln>
+        </p:spPr>
+        <p:style>
+          <a:lnRef idx="2">
+            <a:schemeClr val="accent1">
+              <a:shade val="50000"/>
+            </a:schemeClr>
+          </a:lnRef>
+          <a:fillRef idx="1">
+            <a:schemeClr val="accent1"/>
+          </a:fillRef>
+          <a:effectRef idx="0">
+            <a:schemeClr val="accent1"/>
+          </a:effectRef>
+          <a:fontRef idx="minor">
+            <a:schemeClr val="lt1"/>
+          </a:fontRef>
+        </p:style>
+        <p:txBody>
+          <a:bodyPr rtlCol="0" anchor="ctr"/>
+          <a:lstStyle/>
+          <a:p>
+            <a:pPr algn="ctr"/>
+            <a:r>
+              <a:rPr lang="en-US" altLang="zh-CN" b="1" dirty="0" err="1">
+                <a:solidFill>
+                  <a:schemeClr val="tx1"/>
+                </a:solidFill>
+                <a:latin typeface="Times New Roman" panose="02020603050405020304" pitchFamily="18" charset="0"/>
+              </a:rPr>
+              <a:t>GeLU</a:t>
+            </a:r>
+            <a:endParaRPr lang="zh-CN" altLang="en-US" b="1" dirty="0">
+              <a:solidFill>
+                <a:schemeClr val="tx1"/>
+              </a:solidFill>
+              <a:latin typeface="Times New Roman" panose="02020603050405020304" pitchFamily="18" charset="0"/>
+            </a:endParaRPr>
+          </a:p>
+        </p:txBody>
+      </p:sp>
+      <p:cxnSp>
+        <p:nvCxnSpPr>
+          <p:cNvPr id="67" name="直接箭头连接符 66">
+            <a:extLst>
+              <a:ext uri="{FF2B5EF4-FFF2-40B4-BE49-F238E27FC236}">
+                <a16:creationId xmlns:a16="http://schemas.microsoft.com/office/drawing/2014/main" id="{91633765-8CF2-41D7-BE92-8B8ADCAC7A6F}"/>
+              </a:ext>
+            </a:extLst>
+          </p:cNvPr>
+          <p:cNvCxnSpPr>
+            <a:cxnSpLocks/>
+          </p:cNvCxnSpPr>
+          <p:nvPr/>
+        </p:nvCxnSpPr>
+        <p:spPr>
+          <a:xfrm>
+            <a:off x="-111844" y="6637252"/>
+            <a:ext cx="829391" cy="0"/>
+          </a:xfrm>
+          <a:prstGeom prst="straightConnector1">
+            <a:avLst/>
+          </a:prstGeom>
+          <a:ln w="28575">
+            <a:solidFill>
+              <a:schemeClr val="tx1"/>
+            </a:solidFill>
+            <a:tailEnd type="triangle"/>
+          </a:ln>
+        </p:spPr>
+        <p:style>
+          <a:lnRef idx="1">
+            <a:schemeClr val="accent1"/>
+          </a:lnRef>
+          <a:fillRef idx="0">
+            <a:schemeClr val="accent1"/>
+          </a:fillRef>
+          <a:effectRef idx="0">
+            <a:schemeClr val="accent1"/>
+          </a:effectRef>
+          <a:fontRef idx="minor">
+            <a:schemeClr val="tx1"/>
+          </a:fontRef>
+        </p:style>
+      </p:cxnSp>
+      <p:cxnSp>
+        <p:nvCxnSpPr>
+          <p:cNvPr id="70" name="直接箭头连接符 69">
+            <a:extLst>
+              <a:ext uri="{FF2B5EF4-FFF2-40B4-BE49-F238E27FC236}">
+                <a16:creationId xmlns:a16="http://schemas.microsoft.com/office/drawing/2014/main" id="{3B2C17F7-6C32-4F92-84C7-6EEF02A179BB}"/>
+              </a:ext>
+            </a:extLst>
+          </p:cNvPr>
+          <p:cNvCxnSpPr>
+            <a:cxnSpLocks/>
+            <a:stCxn id="61" idx="3"/>
+          </p:cNvCxnSpPr>
+          <p:nvPr/>
+        </p:nvCxnSpPr>
+        <p:spPr>
+          <a:xfrm flipV="1">
+            <a:off x="4373911" y="6637252"/>
+            <a:ext cx="829391" cy="5908"/>
+          </a:xfrm>
+          <a:prstGeom prst="straightConnector1">
+            <a:avLst/>
+          </a:prstGeom>
+          <a:ln w="28575">
+            <a:solidFill>
+              <a:schemeClr val="tx1"/>
+            </a:solidFill>
+            <a:tailEnd type="triangle"/>
+          </a:ln>
+        </p:spPr>
+        <p:style>
+          <a:lnRef idx="1">
+            <a:schemeClr val="accent1"/>
+          </a:lnRef>
+          <a:fillRef idx="0">
+            <a:schemeClr val="accent1"/>
+          </a:fillRef>
+          <a:effectRef idx="0">
+            <a:schemeClr val="accent1"/>
+          </a:effectRef>
+          <a:fontRef idx="minor">
+            <a:schemeClr val="tx1"/>
+          </a:fontRef>
+        </p:style>
+      </p:cxnSp>
+      <p:sp>
+        <p:nvSpPr>
+          <p:cNvPr id="72" name="矩形 71">
+            <a:extLst>
+              <a:ext uri="{FF2B5EF4-FFF2-40B4-BE49-F238E27FC236}">
+                <a16:creationId xmlns:a16="http://schemas.microsoft.com/office/drawing/2014/main" id="{936F70A6-7483-43F7-B427-3819BDF64BB8}"/>
+              </a:ext>
+            </a:extLst>
+          </p:cNvPr>
+          <p:cNvSpPr/>
+          <p:nvPr/>
+        </p:nvSpPr>
+        <p:spPr>
+          <a:xfrm>
+            <a:off x="8575829" y="6330972"/>
+            <a:ext cx="812011" cy="612560"/>
+          </a:xfrm>
+          <a:prstGeom prst="rect">
+            <a:avLst/>
+          </a:prstGeom>
+          <a:solidFill>
+            <a:schemeClr val="bg1">
+              <a:lumMod val="75000"/>
+            </a:schemeClr>
+          </a:solidFill>
+          <a:ln w="28575">
+            <a:solidFill>
+              <a:srgbClr val="595959"/>
+            </a:solidFill>
+          </a:ln>
+        </p:spPr>
+        <p:style>
+          <a:lnRef idx="2">
+            <a:schemeClr val="accent1">
+              <a:shade val="50000"/>
+            </a:schemeClr>
+          </a:lnRef>
+          <a:fillRef idx="1">
+            <a:schemeClr val="accent1"/>
+          </a:fillRef>
+          <a:effectRef idx="0">
+            <a:schemeClr val="accent1"/>
+          </a:effectRef>
+          <a:fontRef idx="minor">
+            <a:schemeClr val="lt1"/>
+          </a:fontRef>
+        </p:style>
+        <p:txBody>
+          <a:bodyPr rtlCol="0" anchor="ctr"/>
+          <a:lstStyle/>
+          <a:p>
+            <a:pPr algn="ctr"/>
+            <a:r>
+              <a:rPr lang="en-US" altLang="zh-CN" sz="2400" b="1" dirty="0">
+                <a:solidFill>
+                  <a:schemeClr val="tx1"/>
+                </a:solidFill>
+                <a:latin typeface="Times New Roman" panose="02020603050405020304" pitchFamily="18" charset="0"/>
+                <a:cs typeface="Times New Roman" panose="02020603050405020304" pitchFamily="18" charset="0"/>
+              </a:rPr>
+              <a:t>&amp;</a:t>
+            </a:r>
+            <a:endParaRPr lang="zh-CN" altLang="en-US" sz="2400" b="1" dirty="0">
+              <a:solidFill>
+                <a:schemeClr val="tx1"/>
+              </a:solidFill>
+              <a:latin typeface="Times New Roman" panose="02020603050405020304" pitchFamily="18" charset="0"/>
+              <a:cs typeface="Times New Roman" panose="02020603050405020304" pitchFamily="18" charset="0"/>
+            </a:endParaRPr>
+          </a:p>
+        </p:txBody>
+      </p:sp>
+      <p:sp>
+        <p:nvSpPr>
+          <p:cNvPr id="73" name="矩形 72">
+            <a:extLst>
+              <a:ext uri="{FF2B5EF4-FFF2-40B4-BE49-F238E27FC236}">
+                <a16:creationId xmlns:a16="http://schemas.microsoft.com/office/drawing/2014/main" id="{3D2992A7-3518-4FB0-B74E-D89883643C91}"/>
+              </a:ext>
+            </a:extLst>
+          </p:cNvPr>
+          <p:cNvSpPr/>
+          <p:nvPr/>
+        </p:nvSpPr>
+        <p:spPr>
+          <a:xfrm>
+            <a:off x="5203302" y="4648200"/>
+            <a:ext cx="2401458" cy="3983946"/>
+          </a:xfrm>
+          <a:prstGeom prst="rect">
+            <a:avLst/>
+          </a:prstGeom>
+          <a:noFill/>
+          <a:ln w="28575">
+            <a:solidFill>
+              <a:schemeClr val="tx1">
+                <a:lumMod val="65000"/>
+                <a:lumOff val="35000"/>
+              </a:schemeClr>
+            </a:solidFill>
+            <a:prstDash val="dash"/>
+          </a:ln>
+        </p:spPr>
+        <p:style>
+          <a:lnRef idx="2">
+            <a:schemeClr val="accent1">
+              <a:shade val="50000"/>
+            </a:schemeClr>
+          </a:lnRef>
+          <a:fillRef idx="1">
+            <a:schemeClr val="accent1"/>
+          </a:fillRef>
+          <a:effectRef idx="0">
+            <a:schemeClr val="accent1"/>
+          </a:effectRef>
+          <a:fontRef idx="minor">
+            <a:schemeClr val="lt1"/>
+          </a:fontRef>
+        </p:style>
+        <p:txBody>
+          <a:bodyPr rtlCol="0" anchor="ctr"/>
+          <a:lstStyle/>
+          <a:p>
+            <a:pPr algn="ctr"/>
+            <a:endParaRPr lang="zh-CN" altLang="en-US" b="1">
+              <a:solidFill>
+                <a:schemeClr val="tx1"/>
+              </a:solidFill>
+              <a:latin typeface="Times New Roman" panose="02020603050405020304" pitchFamily="18" charset="0"/>
+            </a:endParaRPr>
+          </a:p>
+        </p:txBody>
+      </p:sp>
+      <p:cxnSp>
+        <p:nvCxnSpPr>
+          <p:cNvPr id="74" name="直接箭头连接符 73">
+            <a:extLst>
+              <a:ext uri="{FF2B5EF4-FFF2-40B4-BE49-F238E27FC236}">
+                <a16:creationId xmlns:a16="http://schemas.microsoft.com/office/drawing/2014/main" id="{3C54E1E3-65B7-42D0-8C4A-2A652707B4B9}"/>
+              </a:ext>
+            </a:extLst>
+          </p:cNvPr>
+          <p:cNvCxnSpPr>
+            <a:cxnSpLocks/>
+            <a:stCxn id="73" idx="3"/>
+            <a:endCxn id="72" idx="1"/>
+          </p:cNvCxnSpPr>
+          <p:nvPr/>
+        </p:nvCxnSpPr>
+        <p:spPr>
+          <a:xfrm flipV="1">
+            <a:off x="7604760" y="6637252"/>
+            <a:ext cx="971069" cy="2921"/>
+          </a:xfrm>
+          <a:prstGeom prst="straightConnector1">
+            <a:avLst/>
+          </a:prstGeom>
+          <a:ln w="28575">
+            <a:solidFill>
+              <a:schemeClr val="tx1"/>
+            </a:solidFill>
+            <a:tailEnd type="triangle"/>
+          </a:ln>
+        </p:spPr>
+        <p:style>
+          <a:lnRef idx="1">
+            <a:schemeClr val="accent1"/>
+          </a:lnRef>
+          <a:fillRef idx="0">
+            <a:schemeClr val="accent1"/>
+          </a:fillRef>
+          <a:effectRef idx="0">
+            <a:schemeClr val="accent1"/>
+          </a:effectRef>
+          <a:fontRef idx="minor">
+            <a:schemeClr val="tx1"/>
+          </a:fontRef>
+        </p:style>
+      </p:cxnSp>
+      <p:pic>
+        <p:nvPicPr>
+          <p:cNvPr id="79" name="图片 78">
+            <a:extLst>
+              <a:ext uri="{FF2B5EF4-FFF2-40B4-BE49-F238E27FC236}">
+                <a16:creationId xmlns:a16="http://schemas.microsoft.com/office/drawing/2014/main" id="{6A905036-A478-4F22-8904-50C51B6C2156}"/>
+              </a:ext>
+            </a:extLst>
+          </p:cNvPr>
+          <p:cNvPicPr>
+            <a:picLocks noChangeAspect="1"/>
+          </p:cNvPicPr>
+          <p:nvPr/>
+        </p:nvPicPr>
+        <p:blipFill>
+          <a:blip r:embed="rId5"/>
+          <a:stretch>
+            <a:fillRect/>
+          </a:stretch>
+        </p:blipFill>
+        <p:spPr>
+          <a:xfrm>
+            <a:off x="-1038793" y="5979935"/>
+            <a:ext cx="943107" cy="1314633"/>
+          </a:xfrm>
+          <a:prstGeom prst="rect">
+            <a:avLst/>
+          </a:prstGeom>
+          <a:ln w="28575">
+            <a:solidFill>
+              <a:schemeClr val="tx1"/>
+            </a:solidFill>
+          </a:ln>
+        </p:spPr>
+      </p:pic>
+      <p:pic>
+        <p:nvPicPr>
+          <p:cNvPr id="80" name="图片 79">
+            <a:extLst>
+              <a:ext uri="{FF2B5EF4-FFF2-40B4-BE49-F238E27FC236}">
+                <a16:creationId xmlns:a16="http://schemas.microsoft.com/office/drawing/2014/main" id="{0E1C6159-1C2D-4852-8A83-C85AC2116C9F}"/>
+              </a:ext>
+            </a:extLst>
+          </p:cNvPr>
+          <p:cNvPicPr>
+            <a:picLocks noChangeAspect="1"/>
+          </p:cNvPicPr>
+          <p:nvPr/>
+        </p:nvPicPr>
+        <p:blipFill>
+          <a:blip r:embed="rId6"/>
+          <a:stretch>
+            <a:fillRect/>
+          </a:stretch>
+        </p:blipFill>
+        <p:spPr>
+          <a:xfrm>
+            <a:off x="10278548" y="5998987"/>
+            <a:ext cx="1133633" cy="1276528"/>
+          </a:xfrm>
+          <a:prstGeom prst="rect">
+            <a:avLst/>
+          </a:prstGeom>
+          <a:ln w="28575">
+            <a:solidFill>
+              <a:schemeClr val="tx1"/>
+            </a:solidFill>
+          </a:ln>
+        </p:spPr>
+      </p:pic>
+      <p:cxnSp>
+        <p:nvCxnSpPr>
+          <p:cNvPr id="81" name="直接箭头连接符 80">
+            <a:extLst>
+              <a:ext uri="{FF2B5EF4-FFF2-40B4-BE49-F238E27FC236}">
+                <a16:creationId xmlns:a16="http://schemas.microsoft.com/office/drawing/2014/main" id="{43687AD5-8EEF-402B-8B74-E2053B2C4DD6}"/>
+              </a:ext>
+            </a:extLst>
+          </p:cNvPr>
+          <p:cNvCxnSpPr>
+            <a:cxnSpLocks/>
+          </p:cNvCxnSpPr>
+          <p:nvPr/>
+        </p:nvCxnSpPr>
+        <p:spPr>
+          <a:xfrm flipV="1">
+            <a:off x="9403781" y="6640172"/>
+            <a:ext cx="862963" cy="1"/>
+          </a:xfrm>
+          <a:prstGeom prst="straightConnector1">
+            <a:avLst/>
+          </a:prstGeom>
+          <a:ln w="28575">
+            <a:solidFill>
+              <a:schemeClr val="tx1"/>
+            </a:solidFill>
+            <a:tailEnd type="triangle"/>
+          </a:ln>
+        </p:spPr>
+        <p:style>
+          <a:lnRef idx="1">
+            <a:schemeClr val="accent1"/>
+          </a:lnRef>
+          <a:fillRef idx="0">
+            <a:schemeClr val="accent1"/>
+          </a:fillRef>
+          <a:effectRef idx="0">
+            <a:schemeClr val="accent1"/>
+          </a:effectRef>
+          <a:fontRef idx="minor">
+            <a:schemeClr val="tx1"/>
+          </a:fontRef>
+        </p:style>
+      </p:cxnSp>
+      <p:cxnSp>
+        <p:nvCxnSpPr>
+          <p:cNvPr id="83" name="直接连接符 82">
+            <a:extLst>
+              <a:ext uri="{FF2B5EF4-FFF2-40B4-BE49-F238E27FC236}">
+                <a16:creationId xmlns:a16="http://schemas.microsoft.com/office/drawing/2014/main" id="{E97A11E5-0A5E-412A-A8C4-49BE3E4E67BC}"/>
+              </a:ext>
+            </a:extLst>
+          </p:cNvPr>
+          <p:cNvCxnSpPr>
+            <a:cxnSpLocks/>
+            <a:endCxn id="62" idx="1"/>
+          </p:cNvCxnSpPr>
+          <p:nvPr/>
+        </p:nvCxnSpPr>
+        <p:spPr>
+          <a:xfrm>
+            <a:off x="-2223306" y="3919445"/>
+            <a:ext cx="7974373" cy="954904"/>
+          </a:xfrm>
+          <a:prstGeom prst="line">
+            <a:avLst/>
+          </a:prstGeom>
+          <a:ln w="28575">
+            <a:solidFill>
+              <a:srgbClr val="595959"/>
+            </a:solidFill>
+            <a:prstDash val="dash"/>
+          </a:ln>
+        </p:spPr>
+        <p:style>
+          <a:lnRef idx="1">
+            <a:schemeClr val="accent1"/>
+          </a:lnRef>
+          <a:fillRef idx="0">
+            <a:schemeClr val="accent1"/>
+          </a:fillRef>
+          <a:effectRef idx="0">
+            <a:schemeClr val="accent1"/>
+          </a:effectRef>
+          <a:fontRef idx="minor">
+            <a:schemeClr val="tx1"/>
+          </a:fontRef>
+        </p:style>
+      </p:cxnSp>
+      <p:cxnSp>
+        <p:nvCxnSpPr>
+          <p:cNvPr id="85" name="直接连接符 84">
+            <a:extLst>
+              <a:ext uri="{FF2B5EF4-FFF2-40B4-BE49-F238E27FC236}">
+                <a16:creationId xmlns:a16="http://schemas.microsoft.com/office/drawing/2014/main" id="{E9216C8A-A948-4B80-BB53-0B0A215D3F63}"/>
+              </a:ext>
+            </a:extLst>
+          </p:cNvPr>
+          <p:cNvCxnSpPr>
+            <a:cxnSpLocks/>
+            <a:stCxn id="62" idx="7"/>
+          </p:cNvCxnSpPr>
+          <p:nvPr/>
+        </p:nvCxnSpPr>
+        <p:spPr>
+          <a:xfrm flipV="1">
+            <a:off x="6937378" y="3913382"/>
+            <a:ext cx="7020723" cy="960967"/>
+          </a:xfrm>
+          <a:prstGeom prst="line">
+            <a:avLst/>
+          </a:prstGeom>
+          <a:ln w="28575">
+            <a:solidFill>
+              <a:srgbClr val="595959"/>
+            </a:solidFill>
+            <a:prstDash val="dash"/>
+          </a:ln>
+        </p:spPr>
+        <p:style>
+          <a:lnRef idx="1">
+            <a:schemeClr val="accent1"/>
+          </a:lnRef>
+          <a:fillRef idx="0">
+            <a:schemeClr val="accent1"/>
+          </a:fillRef>
+          <a:effectRef idx="0">
+            <a:schemeClr val="accent1"/>
+          </a:effectRef>
+          <a:fontRef idx="minor">
+            <a:schemeClr val="tx1"/>
+          </a:fontRef>
+        </p:style>
+      </p:cxnSp>
+    </p:spTree>
+    <p:extLst>
+      <p:ext uri="{BB962C8B-B14F-4D97-AF65-F5344CB8AC3E}">
+        <p14:creationId xmlns:p14="http://schemas.microsoft.com/office/powerpoint/2010/main" val="3277540555"/>
+      </p:ext>
+    </p:extLst>
+  </p:cSld>
+  <p:clrMapOvr>
+    <a:masterClrMapping/>
+  </p:clrMapOvr>
+</p:sld>
+</file>
+
 <file path=ppt/theme/theme1.xml><?xml version="1.0" encoding="utf-8"?>
 <a:theme xmlns:a="http://schemas.openxmlformats.org/drawingml/2006/main" name="Office 主题​​">
   <a:themeElements>
